--- a/MLFloW.pptx
+++ b/MLFloW.pptx
@@ -7,11 +7,14 @@
   <p:sldIdLst>
     <p:sldId id="256" r:id="rId2"/>
     <p:sldId id="257" r:id="rId3"/>
-    <p:sldId id="263" r:id="rId4"/>
-    <p:sldId id="259" r:id="rId5"/>
-    <p:sldId id="258" r:id="rId6"/>
-    <p:sldId id="260" r:id="rId7"/>
-    <p:sldId id="262" r:id="rId8"/>
+    <p:sldId id="264" r:id="rId4"/>
+    <p:sldId id="265" r:id="rId5"/>
+    <p:sldId id="263" r:id="rId6"/>
+    <p:sldId id="259" r:id="rId7"/>
+    <p:sldId id="258" r:id="rId8"/>
+    <p:sldId id="260" r:id="rId9"/>
+    <p:sldId id="262" r:id="rId10"/>
+    <p:sldId id="266" r:id="rId11"/>
   </p:sldIdLst>
   <p:sldSz cx="12192000" cy="6858000"/>
   <p:notesSz cx="6858000" cy="9144000"/>
@@ -840,7 +843,7 @@
           <a:p>
             <a:fld id="{1142DD18-2E4C-4A73-B00C-CDEE85F6F126}" type="datetimeFigureOut">
               <a:rPr lang="fr-FR" smtClean="0"/>
-              <a:t>01/04/2024</a:t>
+              <a:t>20/04/2024</a:t>
             </a:fld>
             <a:endParaRPr lang="fr-FR"/>
           </a:p>
@@ -1091,7 +1094,7 @@
           <a:p>
             <a:fld id="{1142DD18-2E4C-4A73-B00C-CDEE85F6F126}" type="datetimeFigureOut">
               <a:rPr lang="fr-FR" smtClean="0"/>
-              <a:t>01/04/2024</a:t>
+              <a:t>20/04/2024</a:t>
             </a:fld>
             <a:endParaRPr lang="fr-FR"/>
           </a:p>
@@ -1405,7 +1408,7 @@
           <a:p>
             <a:fld id="{1142DD18-2E4C-4A73-B00C-CDEE85F6F126}" type="datetimeFigureOut">
               <a:rPr lang="fr-FR" smtClean="0"/>
-              <a:t>01/04/2024</a:t>
+              <a:t>20/04/2024</a:t>
             </a:fld>
             <a:endParaRPr lang="fr-FR"/>
           </a:p>
@@ -1746,7 +1749,7 @@
           <a:p>
             <a:fld id="{1142DD18-2E4C-4A73-B00C-CDEE85F6F126}" type="datetimeFigureOut">
               <a:rPr lang="fr-FR" smtClean="0"/>
-              <a:t>01/04/2024</a:t>
+              <a:t>20/04/2024</a:t>
             </a:fld>
             <a:endParaRPr lang="fr-FR"/>
           </a:p>
@@ -2060,7 +2063,7 @@
           <a:p>
             <a:fld id="{1142DD18-2E4C-4A73-B00C-CDEE85F6F126}" type="datetimeFigureOut">
               <a:rPr lang="fr-FR" smtClean="0"/>
-              <a:t>01/04/2024</a:t>
+              <a:t>20/04/2024</a:t>
             </a:fld>
             <a:endParaRPr lang="fr-FR"/>
           </a:p>
@@ -2453,7 +2456,7 @@
           <a:p>
             <a:fld id="{1142DD18-2E4C-4A73-B00C-CDEE85F6F126}" type="datetimeFigureOut">
               <a:rPr lang="fr-FR" smtClean="0"/>
-              <a:t>01/04/2024</a:t>
+              <a:t>20/04/2024</a:t>
             </a:fld>
             <a:endParaRPr lang="fr-FR"/>
           </a:p>
@@ -2623,7 +2626,7 @@
           <a:p>
             <a:fld id="{1142DD18-2E4C-4A73-B00C-CDEE85F6F126}" type="datetimeFigureOut">
               <a:rPr lang="fr-FR" smtClean="0"/>
-              <a:t>01/04/2024</a:t>
+              <a:t>20/04/2024</a:t>
             </a:fld>
             <a:endParaRPr lang="fr-FR"/>
           </a:p>
@@ -2803,7 +2806,7 @@
           <a:p>
             <a:fld id="{1142DD18-2E4C-4A73-B00C-CDEE85F6F126}" type="datetimeFigureOut">
               <a:rPr lang="fr-FR" smtClean="0"/>
-              <a:t>01/04/2024</a:t>
+              <a:t>20/04/2024</a:t>
             </a:fld>
             <a:endParaRPr lang="fr-FR"/>
           </a:p>
@@ -2979,7 +2982,7 @@
           <a:p>
             <a:fld id="{1142DD18-2E4C-4A73-B00C-CDEE85F6F126}" type="datetimeFigureOut">
               <a:rPr lang="fr-FR" smtClean="0"/>
-              <a:t>01/04/2024</a:t>
+              <a:t>20/04/2024</a:t>
             </a:fld>
             <a:endParaRPr lang="fr-FR"/>
           </a:p>
@@ -3226,7 +3229,7 @@
           <a:p>
             <a:fld id="{1142DD18-2E4C-4A73-B00C-CDEE85F6F126}" type="datetimeFigureOut">
               <a:rPr lang="fr-FR" smtClean="0"/>
-              <a:t>01/04/2024</a:t>
+              <a:t>20/04/2024</a:t>
             </a:fld>
             <a:endParaRPr lang="fr-FR"/>
           </a:p>
@@ -3458,7 +3461,7 @@
           <a:p>
             <a:fld id="{1142DD18-2E4C-4A73-B00C-CDEE85F6F126}" type="datetimeFigureOut">
               <a:rPr lang="fr-FR" smtClean="0"/>
-              <a:t>01/04/2024</a:t>
+              <a:t>20/04/2024</a:t>
             </a:fld>
             <a:endParaRPr lang="fr-FR"/>
           </a:p>
@@ -3832,7 +3835,7 @@
           <a:p>
             <a:fld id="{1142DD18-2E4C-4A73-B00C-CDEE85F6F126}" type="datetimeFigureOut">
               <a:rPr lang="fr-FR" smtClean="0"/>
-              <a:t>01/04/2024</a:t>
+              <a:t>20/04/2024</a:t>
             </a:fld>
             <a:endParaRPr lang="fr-FR"/>
           </a:p>
@@ -3955,7 +3958,7 @@
           <a:p>
             <a:fld id="{1142DD18-2E4C-4A73-B00C-CDEE85F6F126}" type="datetimeFigureOut">
               <a:rPr lang="fr-FR" smtClean="0"/>
-              <a:t>01/04/2024</a:t>
+              <a:t>20/04/2024</a:t>
             </a:fld>
             <a:endParaRPr lang="fr-FR"/>
           </a:p>
@@ -4050,7 +4053,7 @@
           <a:p>
             <a:fld id="{1142DD18-2E4C-4A73-B00C-CDEE85F6F126}" type="datetimeFigureOut">
               <a:rPr lang="fr-FR" smtClean="0"/>
-              <a:t>01/04/2024</a:t>
+              <a:t>20/04/2024</a:t>
             </a:fld>
             <a:endParaRPr lang="fr-FR"/>
           </a:p>
@@ -4305,7 +4308,7 @@
           <a:p>
             <a:fld id="{1142DD18-2E4C-4A73-B00C-CDEE85F6F126}" type="datetimeFigureOut">
               <a:rPr lang="fr-FR" smtClean="0"/>
-              <a:t>01/04/2024</a:t>
+              <a:t>20/04/2024</a:t>
             </a:fld>
             <a:endParaRPr lang="fr-FR"/>
           </a:p>
@@ -4568,7 +4571,7 @@
           <a:p>
             <a:fld id="{1142DD18-2E4C-4A73-B00C-CDEE85F6F126}" type="datetimeFigureOut">
               <a:rPr lang="fr-FR" smtClean="0"/>
-              <a:t>01/04/2024</a:t>
+              <a:t>20/04/2024</a:t>
             </a:fld>
             <a:endParaRPr lang="fr-FR"/>
           </a:p>
@@ -5311,7 +5314,7 @@
           <a:p>
             <a:fld id="{1142DD18-2E4C-4A73-B00C-CDEE85F6F126}" type="datetimeFigureOut">
               <a:rPr lang="fr-FR" smtClean="0"/>
-              <a:t>01/04/2024</a:t>
+              <a:t>20/04/2024</a:t>
             </a:fld>
             <a:endParaRPr lang="fr-FR"/>
           </a:p>
@@ -5905,6 +5908,357 @@
 </p:sld>
 </file>
 
+<file path=ppt/slides/slide10.xml><?xml version="1.0" encoding="utf-8"?>
+<p:sld xmlns:a="http://schemas.openxmlformats.org/drawingml/2006/main" xmlns:r="http://schemas.openxmlformats.org/officeDocument/2006/relationships" xmlns:p="http://schemas.openxmlformats.org/presentationml/2006/main">
+  <p:cSld>
+    <p:spTree>
+      <p:nvGrpSpPr>
+        <p:cNvPr id="1" name=""/>
+        <p:cNvGrpSpPr/>
+        <p:nvPr/>
+      </p:nvGrpSpPr>
+      <p:grpSpPr>
+        <a:xfrm>
+          <a:off x="0" y="0"/>
+          <a:ext cx="0" cy="0"/>
+          <a:chOff x="0" y="0"/>
+          <a:chExt cx="0" cy="0"/>
+        </a:xfrm>
+      </p:grpSpPr>
+      <p:sp>
+        <p:nvSpPr>
+          <p:cNvPr id="2" name="Titre 1">
+            <a:extLst>
+              <a:ext uri="{FF2B5EF4-FFF2-40B4-BE49-F238E27FC236}">
+                <a16:creationId xmlns:a16="http://schemas.microsoft.com/office/drawing/2014/main" id="{09A2E713-6071-3CCB-BA86-5AABF2F2A322}"/>
+              </a:ext>
+            </a:extLst>
+          </p:cNvPr>
+          <p:cNvSpPr>
+            <a:spLocks noGrp="1"/>
+          </p:cNvSpPr>
+          <p:nvPr>
+            <p:ph type="title"/>
+          </p:nvPr>
+        </p:nvSpPr>
+        <p:spPr/>
+        <p:txBody>
+          <a:bodyPr/>
+          <a:lstStyle/>
+          <a:p>
+            <a:r>
+              <a:rPr lang="fr-FR" dirty="0"/>
+              <a:t>Conclusion</a:t>
+            </a:r>
+          </a:p>
+        </p:txBody>
+      </p:sp>
+      <p:sp>
+        <p:nvSpPr>
+          <p:cNvPr id="3" name="Espace réservé du contenu 2">
+            <a:extLst>
+              <a:ext uri="{FF2B5EF4-FFF2-40B4-BE49-F238E27FC236}">
+                <a16:creationId xmlns:a16="http://schemas.microsoft.com/office/drawing/2014/main" id="{9220E2B3-80EB-DA8E-5E25-92A6883C1B99}"/>
+              </a:ext>
+            </a:extLst>
+          </p:cNvPr>
+          <p:cNvSpPr>
+            <a:spLocks noGrp="1"/>
+          </p:cNvSpPr>
+          <p:nvPr>
+            <p:ph idx="1"/>
+          </p:nvPr>
+        </p:nvSpPr>
+        <p:spPr/>
+        <p:txBody>
+          <a:bodyPr>
+            <a:normAutofit lnSpcReduction="10000"/>
+          </a:bodyPr>
+          <a:lstStyle/>
+          <a:p>
+            <a:r>
+              <a:rPr lang="fr-FR" sz="1800" dirty="0">
+                <a:solidFill>
+                  <a:srgbClr val="0D0D0D"/>
+                </a:solidFill>
+                <a:effectLst/>
+                <a:highlight>
+                  <a:srgbClr val="FFFFFF"/>
+                </a:highlight>
+                <a:latin typeface="Segoe UI" panose="020B0502040204020203" pitchFamily="34" charset="0"/>
+                <a:ea typeface="Times New Roman" panose="02020603050405020304" pitchFamily="18" charset="0"/>
+              </a:rPr>
+              <a:t>En conclusion, </a:t>
+            </a:r>
+            <a:r>
+              <a:rPr lang="fr-FR" sz="1800" dirty="0" err="1">
+                <a:solidFill>
+                  <a:srgbClr val="0D0D0D"/>
+                </a:solidFill>
+                <a:effectLst/>
+                <a:highlight>
+                  <a:srgbClr val="FFFFFF"/>
+                </a:highlight>
+                <a:latin typeface="Segoe UI" panose="020B0502040204020203" pitchFamily="34" charset="0"/>
+                <a:ea typeface="Times New Roman" panose="02020603050405020304" pitchFamily="18" charset="0"/>
+              </a:rPr>
+              <a:t>MLflow</a:t>
+            </a:r>
+            <a:r>
+              <a:rPr lang="fr-FR" sz="1800" dirty="0">
+                <a:solidFill>
+                  <a:srgbClr val="0D0D0D"/>
+                </a:solidFill>
+                <a:effectLst/>
+                <a:highlight>
+                  <a:srgbClr val="FFFFFF"/>
+                </a:highlight>
+                <a:latin typeface="Segoe UI" panose="020B0502040204020203" pitchFamily="34" charset="0"/>
+                <a:ea typeface="Times New Roman" panose="02020603050405020304" pitchFamily="18" charset="0"/>
+              </a:rPr>
+              <a:t> représente une solution polyvalente et puissante pour la gestion du cycle de vie des projets de machine </a:t>
+            </a:r>
+            <a:r>
+              <a:rPr lang="fr-FR" sz="1800" dirty="0" err="1">
+                <a:solidFill>
+                  <a:srgbClr val="0D0D0D"/>
+                </a:solidFill>
+                <a:effectLst/>
+                <a:highlight>
+                  <a:srgbClr val="FFFFFF"/>
+                </a:highlight>
+                <a:latin typeface="Segoe UI" panose="020B0502040204020203" pitchFamily="34" charset="0"/>
+                <a:ea typeface="Times New Roman" panose="02020603050405020304" pitchFamily="18" charset="0"/>
+              </a:rPr>
+              <a:t>learning</a:t>
+            </a:r>
+            <a:r>
+              <a:rPr lang="fr-FR" sz="1800" dirty="0">
+                <a:solidFill>
+                  <a:srgbClr val="0D0D0D"/>
+                </a:solidFill>
+                <a:effectLst/>
+                <a:highlight>
+                  <a:srgbClr val="FFFFFF"/>
+                </a:highlight>
+                <a:latin typeface="Segoe UI" panose="020B0502040204020203" pitchFamily="34" charset="0"/>
+                <a:ea typeface="Times New Roman" panose="02020603050405020304" pitchFamily="18" charset="0"/>
+              </a:rPr>
+              <a:t>. Son ensemble complet d'outils et de fonctionnalités répond aux besoins variés des praticiens du machine </a:t>
+            </a:r>
+            <a:r>
+              <a:rPr lang="fr-FR" sz="1800" dirty="0" err="1">
+                <a:solidFill>
+                  <a:srgbClr val="0D0D0D"/>
+                </a:solidFill>
+                <a:effectLst/>
+                <a:highlight>
+                  <a:srgbClr val="FFFFFF"/>
+                </a:highlight>
+                <a:latin typeface="Segoe UI" panose="020B0502040204020203" pitchFamily="34" charset="0"/>
+                <a:ea typeface="Times New Roman" panose="02020603050405020304" pitchFamily="18" charset="0"/>
+              </a:rPr>
+              <a:t>learning</a:t>
+            </a:r>
+            <a:r>
+              <a:rPr lang="fr-FR" sz="1800" dirty="0">
+                <a:solidFill>
+                  <a:srgbClr val="0D0D0D"/>
+                </a:solidFill>
+                <a:effectLst/>
+                <a:highlight>
+                  <a:srgbClr val="FFFFFF"/>
+                </a:highlight>
+                <a:latin typeface="Segoe UI" panose="020B0502040204020203" pitchFamily="34" charset="0"/>
+                <a:ea typeface="Times New Roman" panose="02020603050405020304" pitchFamily="18" charset="0"/>
+              </a:rPr>
+              <a:t>, de l'exploration des données à la mise en production des modèles. L'utilité de </a:t>
+            </a:r>
+            <a:r>
+              <a:rPr lang="fr-FR" sz="1800" dirty="0" err="1">
+                <a:solidFill>
+                  <a:srgbClr val="0D0D0D"/>
+                </a:solidFill>
+                <a:effectLst/>
+                <a:highlight>
+                  <a:srgbClr val="FFFFFF"/>
+                </a:highlight>
+                <a:latin typeface="Segoe UI" panose="020B0502040204020203" pitchFamily="34" charset="0"/>
+                <a:ea typeface="Times New Roman" panose="02020603050405020304" pitchFamily="18" charset="0"/>
+              </a:rPr>
+              <a:t>MLflow</a:t>
+            </a:r>
+            <a:r>
+              <a:rPr lang="fr-FR" sz="1800" dirty="0">
+                <a:solidFill>
+                  <a:srgbClr val="0D0D0D"/>
+                </a:solidFill>
+                <a:effectLst/>
+                <a:highlight>
+                  <a:srgbClr val="FFFFFF"/>
+                </a:highlight>
+                <a:latin typeface="Segoe UI" panose="020B0502040204020203" pitchFamily="34" charset="0"/>
+                <a:ea typeface="Times New Roman" panose="02020603050405020304" pitchFamily="18" charset="0"/>
+              </a:rPr>
+              <a:t> réside dans sa capacité à simplifier et à rationaliser les workflows de développement de modèles, en offrant un suivi détaillé des expériences, une gestion efficace des modèles et une intégration transparente avec d'autres outils et </a:t>
+            </a:r>
+            <a:r>
+              <a:rPr lang="fr-FR" sz="1800" dirty="0" err="1">
+                <a:solidFill>
+                  <a:srgbClr val="0D0D0D"/>
+                </a:solidFill>
+                <a:effectLst/>
+                <a:highlight>
+                  <a:srgbClr val="FFFFFF"/>
+                </a:highlight>
+                <a:latin typeface="Segoe UI" panose="020B0502040204020203" pitchFamily="34" charset="0"/>
+                <a:ea typeface="Times New Roman" panose="02020603050405020304" pitchFamily="18" charset="0"/>
+              </a:rPr>
+              <a:t>frameworks</a:t>
+            </a:r>
+            <a:r>
+              <a:rPr lang="fr-FR" sz="1800" dirty="0">
+                <a:solidFill>
+                  <a:srgbClr val="0D0D0D"/>
+                </a:solidFill>
+                <a:effectLst/>
+                <a:highlight>
+                  <a:srgbClr val="FFFFFF"/>
+                </a:highlight>
+                <a:latin typeface="Segoe UI" panose="020B0502040204020203" pitchFamily="34" charset="0"/>
+                <a:ea typeface="Times New Roman" panose="02020603050405020304" pitchFamily="18" charset="0"/>
+              </a:rPr>
+              <a:t> populaires. Grâce à </a:t>
+            </a:r>
+            <a:r>
+              <a:rPr lang="fr-FR" sz="1800" dirty="0" err="1">
+                <a:solidFill>
+                  <a:srgbClr val="0D0D0D"/>
+                </a:solidFill>
+                <a:effectLst/>
+                <a:highlight>
+                  <a:srgbClr val="FFFFFF"/>
+                </a:highlight>
+                <a:latin typeface="Segoe UI" panose="020B0502040204020203" pitchFamily="34" charset="0"/>
+                <a:ea typeface="Times New Roman" panose="02020603050405020304" pitchFamily="18" charset="0"/>
+              </a:rPr>
+              <a:t>MLflow</a:t>
+            </a:r>
+            <a:r>
+              <a:rPr lang="fr-FR" sz="1800" dirty="0">
+                <a:solidFill>
+                  <a:srgbClr val="0D0D0D"/>
+                </a:solidFill>
+                <a:effectLst/>
+                <a:highlight>
+                  <a:srgbClr val="FFFFFF"/>
+                </a:highlight>
+                <a:latin typeface="Segoe UI" panose="020B0502040204020203" pitchFamily="34" charset="0"/>
+                <a:ea typeface="Times New Roman" panose="02020603050405020304" pitchFamily="18" charset="0"/>
+              </a:rPr>
+              <a:t>, les équipes de machine </a:t>
+            </a:r>
+            <a:r>
+              <a:rPr lang="fr-FR" sz="1800" dirty="0" err="1">
+                <a:solidFill>
+                  <a:srgbClr val="0D0D0D"/>
+                </a:solidFill>
+                <a:effectLst/>
+                <a:highlight>
+                  <a:srgbClr val="FFFFFF"/>
+                </a:highlight>
+                <a:latin typeface="Segoe UI" panose="020B0502040204020203" pitchFamily="34" charset="0"/>
+                <a:ea typeface="Times New Roman" panose="02020603050405020304" pitchFamily="18" charset="0"/>
+              </a:rPr>
+              <a:t>learning</a:t>
+            </a:r>
+            <a:r>
+              <a:rPr lang="fr-FR" sz="1800" dirty="0">
+                <a:solidFill>
+                  <a:srgbClr val="0D0D0D"/>
+                </a:solidFill>
+                <a:effectLst/>
+                <a:highlight>
+                  <a:srgbClr val="FFFFFF"/>
+                </a:highlight>
+                <a:latin typeface="Segoe UI" panose="020B0502040204020203" pitchFamily="34" charset="0"/>
+                <a:ea typeface="Times New Roman" panose="02020603050405020304" pitchFamily="18" charset="0"/>
+              </a:rPr>
+              <a:t> peuvent gagner en productivité, en reproductibilité et en qualité dans leurs projets, ce qui leur permet d'itérer rapidement, de prendre des décisions éclairées et de déployer des modèles de haute qualité en production. En tant qu'élément clé de l'écosystème des outils de machine </a:t>
+            </a:r>
+            <a:r>
+              <a:rPr lang="fr-FR" sz="1800" dirty="0" err="1">
+                <a:solidFill>
+                  <a:srgbClr val="0D0D0D"/>
+                </a:solidFill>
+                <a:effectLst/>
+                <a:highlight>
+                  <a:srgbClr val="FFFFFF"/>
+                </a:highlight>
+                <a:latin typeface="Segoe UI" panose="020B0502040204020203" pitchFamily="34" charset="0"/>
+                <a:ea typeface="Times New Roman" panose="02020603050405020304" pitchFamily="18" charset="0"/>
+              </a:rPr>
+              <a:t>learning</a:t>
+            </a:r>
+            <a:r>
+              <a:rPr lang="fr-FR" sz="1800" dirty="0">
+                <a:solidFill>
+                  <a:srgbClr val="0D0D0D"/>
+                </a:solidFill>
+                <a:effectLst/>
+                <a:highlight>
+                  <a:srgbClr val="FFFFFF"/>
+                </a:highlight>
+                <a:latin typeface="Segoe UI" panose="020B0502040204020203" pitchFamily="34" charset="0"/>
+                <a:ea typeface="Times New Roman" panose="02020603050405020304" pitchFamily="18" charset="0"/>
+              </a:rPr>
+              <a:t>, </a:t>
+            </a:r>
+            <a:r>
+              <a:rPr lang="fr-FR" sz="1800" dirty="0" err="1">
+                <a:solidFill>
+                  <a:srgbClr val="0D0D0D"/>
+                </a:solidFill>
+                <a:effectLst/>
+                <a:highlight>
+                  <a:srgbClr val="FFFFFF"/>
+                </a:highlight>
+                <a:latin typeface="Segoe UI" panose="020B0502040204020203" pitchFamily="34" charset="0"/>
+                <a:ea typeface="Times New Roman" panose="02020603050405020304" pitchFamily="18" charset="0"/>
+              </a:rPr>
+              <a:t>MLflow</a:t>
+            </a:r>
+            <a:r>
+              <a:rPr lang="fr-FR" sz="1800" dirty="0">
+                <a:solidFill>
+                  <a:srgbClr val="0D0D0D"/>
+                </a:solidFill>
+                <a:effectLst/>
+                <a:highlight>
+                  <a:srgbClr val="FFFFFF"/>
+                </a:highlight>
+                <a:latin typeface="Segoe UI" panose="020B0502040204020203" pitchFamily="34" charset="0"/>
+                <a:ea typeface="Times New Roman" panose="02020603050405020304" pitchFamily="18" charset="0"/>
+              </a:rPr>
+              <a:t> joue un rôle crucial dans l'avancement et la démocratisation de l'IA, en facilitant le développement et le déploiement de solutions innovantes dans une grande variété de domaines d'application.</a:t>
+            </a:r>
+            <a:endParaRPr lang="fr-FR" dirty="0"/>
+          </a:p>
+        </p:txBody>
+      </p:sp>
+    </p:spTree>
+    <p:extLst>
+      <p:ext uri="{BB962C8B-B14F-4D97-AF65-F5344CB8AC3E}">
+        <p14:creationId xmlns:p14="http://schemas.microsoft.com/office/powerpoint/2010/main" val="1315143371"/>
+      </p:ext>
+    </p:extLst>
+  </p:cSld>
+  <p:clrMapOvr>
+    <a:masterClrMapping/>
+  </p:clrMapOvr>
+</p:sld>
+</file>
+
 <file path=ppt/slides/slide2.xml><?xml version="1.0" encoding="utf-8"?>
 <p:sld xmlns:a="http://schemas.openxmlformats.org/drawingml/2006/main" xmlns:r="http://schemas.openxmlformats.org/officeDocument/2006/relationships" xmlns:p="http://schemas.openxmlformats.org/presentationml/2006/main">
   <p:cSld>
@@ -6080,10 +6434,77 @@
       </p:grpSpPr>
       <p:sp>
         <p:nvSpPr>
+          <p:cNvPr id="2" name="Titre 1">
+            <a:extLst>
+              <a:ext uri="{FF2B5EF4-FFF2-40B4-BE49-F238E27FC236}">
+                <a16:creationId xmlns:a16="http://schemas.microsoft.com/office/drawing/2014/main" id="{7E76F62C-DA2E-F3B7-429D-8907B7D5D161}"/>
+              </a:ext>
+            </a:extLst>
+          </p:cNvPr>
+          <p:cNvSpPr>
+            <a:spLocks noGrp="1"/>
+          </p:cNvSpPr>
+          <p:nvPr>
+            <p:ph type="title"/>
+          </p:nvPr>
+        </p:nvSpPr>
+        <p:spPr/>
+        <p:txBody>
+          <a:bodyPr>
+            <a:normAutofit fontScale="90000"/>
+          </a:bodyPr>
+          <a:lstStyle/>
+          <a:p>
+            <a:r>
+              <a:rPr lang="fr-FR" sz="2800" b="1" kern="0" dirty="0">
+                <a:effectLst/>
+                <a:latin typeface="Segoe UI" panose="020B0502040204020203" pitchFamily="34" charset="0"/>
+                <a:ea typeface="Times New Roman" panose="02020603050405020304" pitchFamily="18" charset="0"/>
+              </a:rPr>
+              <a:t>Contexte de développement de </a:t>
+            </a:r>
+            <a:r>
+              <a:rPr lang="fr-FR" sz="2800" b="1" kern="0" dirty="0" err="1">
+                <a:effectLst/>
+                <a:latin typeface="Segoe UI" panose="020B0502040204020203" pitchFamily="34" charset="0"/>
+                <a:ea typeface="Times New Roman" panose="02020603050405020304" pitchFamily="18" charset="0"/>
+              </a:rPr>
+              <a:t>MLflow</a:t>
+            </a:r>
+            <a:r>
+              <a:rPr lang="fr-FR" sz="2800" b="1" kern="0" dirty="0">
+                <a:effectLst/>
+                <a:latin typeface="Segoe UI" panose="020B0502040204020203" pitchFamily="34" charset="0"/>
+                <a:ea typeface="Times New Roman" panose="02020603050405020304" pitchFamily="18" charset="0"/>
+              </a:rPr>
+              <a:t> et sa place dans l'écosystème des outils de machine </a:t>
+            </a:r>
+            <a:r>
+              <a:rPr lang="fr-FR" sz="2800" b="1" kern="0" dirty="0" err="1">
+                <a:effectLst/>
+                <a:latin typeface="Segoe UI" panose="020B0502040204020203" pitchFamily="34" charset="0"/>
+                <a:ea typeface="Times New Roman" panose="02020603050405020304" pitchFamily="18" charset="0"/>
+              </a:rPr>
+              <a:t>learning</a:t>
+            </a:r>
+            <a:r>
+              <a:rPr lang="fr-FR" sz="2800" b="1" kern="0" dirty="0">
+                <a:effectLst/>
+                <a:latin typeface="Segoe UI" panose="020B0502040204020203" pitchFamily="34" charset="0"/>
+                <a:ea typeface="Times New Roman" panose="02020603050405020304" pitchFamily="18" charset="0"/>
+              </a:rPr>
+              <a:t> </a:t>
+            </a:r>
+            <a:endParaRPr lang="fr-FR" sz="4400" dirty="0"/>
+          </a:p>
+        </p:txBody>
+      </p:sp>
+      <p:sp>
+        <p:nvSpPr>
           <p:cNvPr id="3" name="Espace réservé du contenu 2">
             <a:extLst>
               <a:ext uri="{FF2B5EF4-FFF2-40B4-BE49-F238E27FC236}">
-                <a16:creationId xmlns:a16="http://schemas.microsoft.com/office/drawing/2014/main" id="{526C7666-4D4B-55ED-E7AB-84E11E82CCB1}"/>
+                <a16:creationId xmlns:a16="http://schemas.microsoft.com/office/drawing/2014/main" id="{88B97F1D-7457-2712-5074-17F8AF8F96AD}"/>
               </a:ext>
             </a:extLst>
           </p:cNvPr>
@@ -6094,339 +6515,146 @@
             <p:ph idx="1"/>
           </p:nvPr>
         </p:nvSpPr>
-        <p:spPr>
-          <a:xfrm>
-            <a:off x="551828" y="681412"/>
-            <a:ext cx="8798360" cy="5558023"/>
-          </a:xfrm>
-        </p:spPr>
-        <p:txBody>
-          <a:bodyPr>
-            <a:normAutofit/>
-          </a:bodyPr>
+        <p:spPr/>
+        <p:txBody>
+          <a:bodyPr/>
           <a:lstStyle/>
           <a:p>
-            <a:pPr algn="l">
-              <a:buFont typeface="Arial" panose="020B0604020202020204" pitchFamily="34" charset="0"/>
-              <a:buChar char="•"/>
+            <a:pPr marL="0" indent="0">
+              <a:buNone/>
             </a:pPr>
             <a:r>
-              <a:rPr lang="fr-FR" b="0" i="1" dirty="0" err="1">
-                <a:solidFill>
-                  <a:srgbClr val="374151"/>
-                </a:solidFill>
-                <a:effectLst/>
-                <a:latin typeface="Inter var"/>
+              <a:rPr lang="fr-FR" sz="2400" b="1" kern="0" dirty="0">
+                <a:solidFill>
+                  <a:srgbClr val="0D0D0D"/>
+                </a:solidFill>
+                <a:effectLst/>
+                <a:latin typeface="Segoe UI" panose="020B0502040204020203" pitchFamily="34" charset="0"/>
+                <a:ea typeface="Times New Roman" panose="02020603050405020304" pitchFamily="18" charset="0"/>
+              </a:rPr>
+              <a:t>Facteurs clés qui ont contribué au développement de </a:t>
+            </a:r>
+            <a:r>
+              <a:rPr lang="fr-FR" sz="2400" b="1" kern="0" dirty="0" err="1">
+                <a:solidFill>
+                  <a:srgbClr val="0D0D0D"/>
+                </a:solidFill>
+                <a:effectLst/>
+                <a:latin typeface="Segoe UI" panose="020B0502040204020203" pitchFamily="34" charset="0"/>
+                <a:ea typeface="Times New Roman" panose="02020603050405020304" pitchFamily="18" charset="0"/>
               </a:rPr>
               <a:t>MLflow</a:t>
             </a:r>
             <a:r>
-              <a:rPr lang="fr-FR" b="0" i="1" dirty="0">
-                <a:solidFill>
-                  <a:srgbClr val="374151"/>
-                </a:solidFill>
-                <a:effectLst/>
-                <a:latin typeface="Inter var"/>
+              <a:rPr lang="fr-FR" sz="2400" b="1" kern="0" dirty="0">
+                <a:solidFill>
+                  <a:srgbClr val="0D0D0D"/>
+                </a:solidFill>
+                <a:effectLst/>
+                <a:latin typeface="Segoe UI" panose="020B0502040204020203" pitchFamily="34" charset="0"/>
+                <a:ea typeface="Times New Roman" panose="02020603050405020304" pitchFamily="18" charset="0"/>
+              </a:rPr>
+              <a:t> :</a:t>
+            </a:r>
+          </a:p>
+          <a:p>
+            <a:pPr marL="0" indent="0">
+              <a:buNone/>
+            </a:pPr>
+            <a:endParaRPr lang="fr-FR" sz="1600" b="1" kern="0" dirty="0">
+              <a:solidFill>
+                <a:srgbClr val="0D0D0D"/>
+              </a:solidFill>
+              <a:latin typeface="Segoe UI" panose="020B0502040204020203" pitchFamily="34" charset="0"/>
+              <a:ea typeface="Times New Roman" panose="02020603050405020304" pitchFamily="18" charset="0"/>
+            </a:endParaRPr>
+          </a:p>
+          <a:p>
+            <a:pPr marL="0" indent="0">
+              <a:buNone/>
+            </a:pPr>
+            <a:endParaRPr lang="fr-FR" sz="1600" b="1" kern="0" dirty="0">
+              <a:solidFill>
+                <a:srgbClr val="0D0D0D"/>
+              </a:solidFill>
+              <a:effectLst/>
+              <a:latin typeface="Segoe UI" panose="020B0502040204020203" pitchFamily="34" charset="0"/>
+              <a:ea typeface="Times New Roman" panose="02020603050405020304" pitchFamily="18" charset="0"/>
+            </a:endParaRPr>
+          </a:p>
+          <a:p>
+            <a:r>
+              <a:rPr lang="fr-FR" sz="2000" b="1" kern="0" dirty="0">
+                <a:solidFill>
+                  <a:srgbClr val="0D0D0D"/>
+                </a:solidFill>
+                <a:effectLst/>
+                <a:latin typeface="Segoe UI" panose="020B0502040204020203" pitchFamily="34" charset="0"/>
+                <a:ea typeface="Times New Roman" panose="02020603050405020304" pitchFamily="18" charset="0"/>
+              </a:rPr>
+              <a:t>Complexité croissante des projets de machine </a:t>
+            </a:r>
+            <a:r>
+              <a:rPr lang="fr-FR" sz="2000" b="1" kern="0" dirty="0" err="1">
+                <a:solidFill>
+                  <a:srgbClr val="0D0D0D"/>
+                </a:solidFill>
+                <a:effectLst/>
+                <a:latin typeface="Segoe UI" panose="020B0502040204020203" pitchFamily="34" charset="0"/>
+                <a:ea typeface="Times New Roman" panose="02020603050405020304" pitchFamily="18" charset="0"/>
+              </a:rPr>
+              <a:t>learning</a:t>
+            </a:r>
+            <a:r>
+              <a:rPr lang="fr-FR" sz="2000" b="1" kern="0" dirty="0">
+                <a:solidFill>
+                  <a:srgbClr val="0D0D0D"/>
+                </a:solidFill>
+                <a:effectLst/>
+                <a:latin typeface="Segoe UI" panose="020B0502040204020203" pitchFamily="34" charset="0"/>
+                <a:ea typeface="Times New Roman" panose="02020603050405020304" pitchFamily="18" charset="0"/>
               </a:rPr>
               <a:t> </a:t>
             </a:r>
-            <a:r>
-              <a:rPr lang="fr-FR" b="0" i="1" dirty="0" err="1">
-                <a:solidFill>
-                  <a:srgbClr val="374151"/>
-                </a:solidFill>
-                <a:effectLst/>
-                <a:latin typeface="Inter var"/>
-              </a:rPr>
-              <a:t>Tracking</a:t>
-            </a:r>
-            <a:r>
-              <a:rPr lang="fr-FR" b="0" i="0" dirty="0">
-                <a:solidFill>
-                  <a:srgbClr val="374151"/>
-                </a:solidFill>
-                <a:effectLst/>
-                <a:latin typeface="Inter var"/>
-              </a:rPr>
-              <a:t> - assure le suivi des exécutions en enregistrant les métriques, les paramètres, les balises et les artefacts. Il nous permet de les visualiser et de les comparer dans un navigateur de manière simple. De plus, il crée différents fichiers avec la description de l’environnement dans lequel l’exécution a été effectuée (</a:t>
-            </a:r>
-            <a:r>
-              <a:rPr lang="fr-FR" b="0" i="0" dirty="0" err="1">
-                <a:solidFill>
-                  <a:srgbClr val="374151"/>
-                </a:solidFill>
-                <a:effectLst/>
-                <a:latin typeface="Inter var"/>
-              </a:rPr>
-              <a:t>MLmodel</a:t>
-            </a:r>
-            <a:r>
-              <a:rPr lang="fr-FR" b="0" i="0" dirty="0">
-                <a:solidFill>
-                  <a:srgbClr val="374151"/>
-                </a:solidFill>
-                <a:effectLst/>
-                <a:latin typeface="Inter var"/>
-              </a:rPr>
-              <a:t>, </a:t>
-            </a:r>
-            <a:r>
-              <a:rPr lang="fr-FR" b="0" i="0" dirty="0" err="1">
-                <a:solidFill>
-                  <a:srgbClr val="374151"/>
-                </a:solidFill>
-                <a:effectLst/>
-                <a:latin typeface="Inter var"/>
-              </a:rPr>
-              <a:t>conda.yaml</a:t>
-            </a:r>
-            <a:r>
-              <a:rPr lang="fr-FR" b="0" i="0" dirty="0">
-                <a:solidFill>
-                  <a:srgbClr val="374151"/>
-                </a:solidFill>
-                <a:effectLst/>
-                <a:latin typeface="Inter var"/>
-              </a:rPr>
-              <a:t>, code modèle).</a:t>
-            </a:r>
-          </a:p>
-          <a:p>
-            <a:pPr algn="l">
-              <a:buFont typeface="Arial" panose="020B0604020202020204" pitchFamily="34" charset="0"/>
-              <a:buChar char="•"/>
-            </a:pPr>
-            <a:r>
-              <a:rPr lang="fr-FR" b="0" i="1" dirty="0" err="1">
-                <a:solidFill>
-                  <a:srgbClr val="374151"/>
-                </a:solidFill>
-                <a:effectLst/>
-                <a:latin typeface="Inter var"/>
-              </a:rPr>
-              <a:t>MLflow</a:t>
-            </a:r>
-            <a:r>
-              <a:rPr lang="fr-FR" b="0" i="1" dirty="0">
-                <a:solidFill>
-                  <a:srgbClr val="374151"/>
-                </a:solidFill>
-                <a:effectLst/>
-                <a:latin typeface="Inter var"/>
-              </a:rPr>
-              <a:t> Project</a:t>
-            </a:r>
-            <a:r>
-              <a:rPr lang="fr-FR" b="0" i="0" dirty="0">
-                <a:solidFill>
-                  <a:srgbClr val="374151"/>
-                </a:solidFill>
-                <a:effectLst/>
-                <a:latin typeface="Inter var"/>
-              </a:rPr>
-              <a:t> - est un format permettant de packager du code de manière réutilisable et reproductible. Il utilise des artefacts enregistrés à l’étape du suivi.</a:t>
-            </a:r>
-          </a:p>
-          <a:p>
-            <a:pPr algn="l">
-              <a:buFont typeface="Arial" panose="020B0604020202020204" pitchFamily="34" charset="0"/>
-              <a:buChar char="•"/>
-            </a:pPr>
-            <a:r>
-              <a:rPr lang="fr-FR" b="0" i="1" dirty="0" err="1">
-                <a:solidFill>
-                  <a:srgbClr val="374151"/>
-                </a:solidFill>
-                <a:effectLst/>
-                <a:latin typeface="Inter var"/>
-              </a:rPr>
-              <a:t>MLflow</a:t>
-            </a:r>
-            <a:r>
-              <a:rPr lang="fr-FR" b="0" i="1" dirty="0">
-                <a:solidFill>
-                  <a:srgbClr val="374151"/>
-                </a:solidFill>
-                <a:effectLst/>
-                <a:latin typeface="Inter var"/>
-              </a:rPr>
-              <a:t> Model</a:t>
-            </a:r>
-            <a:r>
-              <a:rPr lang="fr-FR" b="0" i="0" dirty="0">
-                <a:solidFill>
-                  <a:srgbClr val="374151"/>
-                </a:solidFill>
-                <a:effectLst/>
-                <a:latin typeface="Inter var"/>
-              </a:rPr>
-              <a:t> - est un format standard pour le packaging des modèles. Le format définit une convention qui permet de sauvegarder un modèle selon sa préférence (par exemple, fonction Python, fonction R, </a:t>
-            </a:r>
-            <a:r>
-              <a:rPr lang="fr-FR" b="0" i="0" dirty="0" err="1">
-                <a:solidFill>
-                  <a:srgbClr val="374151"/>
-                </a:solidFill>
-                <a:effectLst/>
-                <a:latin typeface="Inter var"/>
-              </a:rPr>
-              <a:t>Scikit-learn</a:t>
-            </a:r>
-            <a:r>
-              <a:rPr lang="fr-FR" b="0" i="0" dirty="0">
-                <a:solidFill>
-                  <a:srgbClr val="374151"/>
-                </a:solidFill>
-                <a:effectLst/>
-                <a:latin typeface="Inter var"/>
-              </a:rPr>
-              <a:t>, </a:t>
-            </a:r>
-            <a:r>
-              <a:rPr lang="fr-FR" b="0" i="0" dirty="0" err="1">
-                <a:solidFill>
-                  <a:srgbClr val="374151"/>
-                </a:solidFill>
-                <a:effectLst/>
-                <a:latin typeface="Inter var"/>
-              </a:rPr>
-              <a:t>TensorFlow</a:t>
-            </a:r>
-            <a:r>
-              <a:rPr lang="fr-FR" b="0" i="0" dirty="0">
-                <a:solidFill>
-                  <a:srgbClr val="374151"/>
-                </a:solidFill>
-                <a:effectLst/>
-                <a:latin typeface="Inter var"/>
-              </a:rPr>
-              <a:t>, Spark </a:t>
-            </a:r>
-            <a:r>
-              <a:rPr lang="fr-FR" b="0" i="0" dirty="0" err="1">
-                <a:solidFill>
-                  <a:srgbClr val="374151"/>
-                </a:solidFill>
-                <a:effectLst/>
-                <a:latin typeface="Inter var"/>
-              </a:rPr>
-              <a:t>MLlib</a:t>
-            </a:r>
-            <a:r>
-              <a:rPr lang="fr-FR" b="0" i="0" dirty="0">
-                <a:solidFill>
-                  <a:srgbClr val="374151"/>
-                </a:solidFill>
-                <a:effectLst/>
-                <a:latin typeface="Inter var"/>
-              </a:rPr>
-              <a:t>…) qui peuvent être interprété par différents outils complémentaires à </a:t>
-            </a:r>
-            <a:r>
-              <a:rPr lang="fr-FR" b="0" i="0" dirty="0" err="1">
-                <a:solidFill>
-                  <a:srgbClr val="374151"/>
-                </a:solidFill>
-                <a:effectLst/>
-                <a:latin typeface="Inter var"/>
-              </a:rPr>
-              <a:t>MLflow</a:t>
-            </a:r>
-            <a:r>
-              <a:rPr lang="fr-FR" b="0" i="0" dirty="0">
-                <a:solidFill>
-                  <a:srgbClr val="374151"/>
-                </a:solidFill>
-                <a:effectLst/>
-                <a:latin typeface="Inter var"/>
-              </a:rPr>
-              <a:t>.</a:t>
-            </a:r>
-          </a:p>
-          <a:p>
-            <a:pPr algn="l">
-              <a:buFont typeface="Arial" panose="020B0604020202020204" pitchFamily="34" charset="0"/>
-              <a:buChar char="•"/>
-            </a:pPr>
-            <a:r>
-              <a:rPr lang="fr-FR" b="0" i="1" dirty="0" err="1">
-                <a:solidFill>
-                  <a:srgbClr val="374151"/>
-                </a:solidFill>
-                <a:effectLst/>
-                <a:latin typeface="Inter var"/>
-              </a:rPr>
-              <a:t>MLflow</a:t>
-            </a:r>
-            <a:r>
-              <a:rPr lang="fr-FR" b="0" i="1" dirty="0">
-                <a:solidFill>
-                  <a:srgbClr val="374151"/>
-                </a:solidFill>
-                <a:effectLst/>
-                <a:latin typeface="Inter var"/>
-              </a:rPr>
-              <a:t> </a:t>
-            </a:r>
-            <a:r>
-              <a:rPr lang="fr-FR" b="0" i="1" dirty="0" err="1">
-                <a:solidFill>
-                  <a:srgbClr val="374151"/>
-                </a:solidFill>
-                <a:effectLst/>
-                <a:latin typeface="Inter var"/>
-              </a:rPr>
-              <a:t>Registry</a:t>
-            </a:r>
-            <a:r>
-              <a:rPr lang="fr-FR" b="0" i="0" dirty="0">
-                <a:solidFill>
-                  <a:srgbClr val="374151"/>
-                </a:solidFill>
-                <a:effectLst/>
-                <a:latin typeface="Inter var"/>
-              </a:rPr>
-              <a:t> - est un magasin de modèles centralisé. Il fournit la lignée du modèle (qui a produit le modèle), le </a:t>
-            </a:r>
-            <a:r>
-              <a:rPr lang="fr-FR" b="0" i="0" dirty="0" err="1">
-                <a:solidFill>
-                  <a:srgbClr val="374151"/>
-                </a:solidFill>
-                <a:effectLst/>
-                <a:latin typeface="Inter var"/>
-              </a:rPr>
-              <a:t>versionnement</a:t>
-            </a:r>
-            <a:r>
-              <a:rPr lang="fr-FR" b="0" i="0" dirty="0">
-                <a:solidFill>
-                  <a:srgbClr val="374151"/>
-                </a:solidFill>
-                <a:effectLst/>
-                <a:latin typeface="Inter var"/>
-              </a:rPr>
-              <a:t> du modèle, les transitions d’étape (par exemple du </a:t>
-            </a:r>
-            <a:r>
-              <a:rPr lang="fr-FR" b="0" i="0" dirty="0" err="1">
-                <a:solidFill>
-                  <a:srgbClr val="374151"/>
-                </a:solidFill>
-                <a:effectLst/>
-                <a:latin typeface="Inter var"/>
-              </a:rPr>
-              <a:t>lab</a:t>
-            </a:r>
-            <a:r>
-              <a:rPr lang="fr-FR" b="0" i="0" dirty="0">
-                <a:solidFill>
-                  <a:srgbClr val="374151"/>
-                </a:solidFill>
-                <a:effectLst/>
-                <a:latin typeface="Inter var"/>
-              </a:rPr>
-              <a:t> à la production) et les annotations.</a:t>
+            <a:endParaRPr lang="fr-FR" sz="2000" b="1" kern="0" dirty="0">
+              <a:solidFill>
+                <a:srgbClr val="0D0D0D"/>
+              </a:solidFill>
+              <a:latin typeface="Segoe UI" panose="020B0502040204020203" pitchFamily="34" charset="0"/>
+              <a:ea typeface="Times New Roman" panose="02020603050405020304" pitchFamily="18" charset="0"/>
+            </a:endParaRPr>
+          </a:p>
+          <a:p>
+            <a:r>
+              <a:rPr lang="fr-FR" sz="2000" b="1" kern="0" dirty="0">
+                <a:solidFill>
+                  <a:srgbClr val="0D0D0D"/>
+                </a:solidFill>
+                <a:effectLst/>
+                <a:latin typeface="Segoe UI" panose="020B0502040204020203" pitchFamily="34" charset="0"/>
+                <a:ea typeface="Times New Roman" panose="02020603050405020304" pitchFamily="18" charset="0"/>
+              </a:rPr>
+              <a:t>Manque d'outils intégrés pour le suivi et la gestion des modèles :</a:t>
+            </a:r>
+            <a:endParaRPr lang="fr-FR" sz="2000" b="1" kern="0" dirty="0">
+              <a:solidFill>
+                <a:srgbClr val="0D0D0D"/>
+              </a:solidFill>
+              <a:latin typeface="Segoe UI" panose="020B0502040204020203" pitchFamily="34" charset="0"/>
+              <a:ea typeface="Times New Roman" panose="02020603050405020304" pitchFamily="18" charset="0"/>
+            </a:endParaRPr>
+          </a:p>
+          <a:p>
+            <a:r>
+              <a:rPr lang="fr-FR" sz="2000" b="1" kern="0" dirty="0">
+                <a:solidFill>
+                  <a:srgbClr val="0D0D0D"/>
+                </a:solidFill>
+                <a:effectLst/>
+                <a:latin typeface="Segoe UI" panose="020B0502040204020203" pitchFamily="34" charset="0"/>
+                <a:ea typeface="Times New Roman" panose="02020603050405020304" pitchFamily="18" charset="0"/>
+              </a:rPr>
+              <a:t>Besoin de transparence et de reproductibilité </a:t>
             </a:r>
           </a:p>
           <a:p>
@@ -6437,7 +6665,7 @@
     </p:spTree>
     <p:extLst>
       <p:ext uri="{BB962C8B-B14F-4D97-AF65-F5344CB8AC3E}">
-        <p14:creationId xmlns:p14="http://schemas.microsoft.com/office/powerpoint/2010/main" val="283983494"/>
+        <p14:creationId xmlns:p14="http://schemas.microsoft.com/office/powerpoint/2010/main" val="2866848802"/>
       </p:ext>
     </p:extLst>
   </p:cSld>
@@ -6469,7 +6697,7 @@
           <p:cNvPr id="2" name="Titre 1">
             <a:extLst>
               <a:ext uri="{FF2B5EF4-FFF2-40B4-BE49-F238E27FC236}">
-                <a16:creationId xmlns:a16="http://schemas.microsoft.com/office/drawing/2014/main" id="{EEAB1200-6658-F704-D05D-0CBB42F87571}"/>
+                <a16:creationId xmlns:a16="http://schemas.microsoft.com/office/drawing/2014/main" id="{C885120B-7F04-3A6D-3614-C445F7EA3524}"/>
               </a:ext>
             </a:extLst>
           </p:cNvPr>
@@ -6482,13 +6710,52 @@
         </p:nvSpPr>
         <p:spPr/>
         <p:txBody>
-          <a:bodyPr/>
+          <a:bodyPr>
+            <a:normAutofit/>
+          </a:bodyPr>
           <a:lstStyle/>
           <a:p>
             <a:r>
-              <a:rPr lang="fr-FR" dirty="0"/>
-              <a:t>Avantages</a:t>
-            </a:r>
+              <a:rPr lang="fr-FR" sz="2800" b="1" kern="0" dirty="0">
+                <a:effectLst/>
+                <a:latin typeface="Segoe UI" panose="020B0502040204020203" pitchFamily="34" charset="0"/>
+                <a:ea typeface="Times New Roman" panose="02020603050405020304" pitchFamily="18" charset="0"/>
+              </a:rPr>
+              <a:t>Place de </a:t>
+            </a:r>
+            <a:r>
+              <a:rPr lang="fr-FR" sz="2800" b="1" kern="0" dirty="0" err="1">
+                <a:effectLst/>
+                <a:latin typeface="Segoe UI" panose="020B0502040204020203" pitchFamily="34" charset="0"/>
+                <a:ea typeface="Times New Roman" panose="02020603050405020304" pitchFamily="18" charset="0"/>
+              </a:rPr>
+              <a:t>MLflow</a:t>
+            </a:r>
+            <a:r>
+              <a:rPr lang="fr-FR" sz="2800" b="1" kern="0" dirty="0">
+                <a:effectLst/>
+                <a:latin typeface="Segoe UI" panose="020B0502040204020203" pitchFamily="34" charset="0"/>
+                <a:ea typeface="Times New Roman" panose="02020603050405020304" pitchFamily="18" charset="0"/>
+              </a:rPr>
+              <a:t> dans l'écosystème des outils de machine </a:t>
+            </a:r>
+            <a:r>
+              <a:rPr lang="fr-FR" sz="2800" b="1" kern="0" dirty="0" err="1">
+                <a:effectLst/>
+                <a:latin typeface="Segoe UI" panose="020B0502040204020203" pitchFamily="34" charset="0"/>
+                <a:ea typeface="Times New Roman" panose="02020603050405020304" pitchFamily="18" charset="0"/>
+              </a:rPr>
+              <a:t>learning</a:t>
+            </a:r>
+            <a:r>
+              <a:rPr lang="fr-FR" sz="2800" b="1" kern="0" dirty="0">
+                <a:effectLst/>
+                <a:latin typeface="Segoe UI" panose="020B0502040204020203" pitchFamily="34" charset="0"/>
+                <a:ea typeface="Times New Roman" panose="02020603050405020304" pitchFamily="18" charset="0"/>
+              </a:rPr>
+              <a:t> </a:t>
+            </a:r>
+            <a:endParaRPr lang="fr-FR" sz="4800" dirty="0"/>
           </a:p>
         </p:txBody>
       </p:sp>
@@ -6497,7 +6764,7 @@
           <p:cNvPr id="3" name="Espace réservé du contenu 2">
             <a:extLst>
               <a:ext uri="{FF2B5EF4-FFF2-40B4-BE49-F238E27FC236}">
-                <a16:creationId xmlns:a16="http://schemas.microsoft.com/office/drawing/2014/main" id="{9773DCAF-FC37-F3D1-1CEF-CA0A60579273}"/>
+                <a16:creationId xmlns:a16="http://schemas.microsoft.com/office/drawing/2014/main" id="{7A8082C0-EF05-8CF8-F328-2B1EA46880C7}"/>
               </a:ext>
             </a:extLst>
           </p:cNvPr>
@@ -6510,53 +6777,490 @@
         </p:nvSpPr>
         <p:spPr/>
         <p:txBody>
-          <a:bodyPr/>
+          <a:bodyPr>
+            <a:normAutofit fontScale="92500" lnSpcReduction="20000"/>
+          </a:bodyPr>
           <a:lstStyle/>
           <a:p>
-            <a:r>
-              <a:rPr lang="fr-FR" sz="1800" b="1" kern="0" dirty="0">
-                <a:solidFill>
-                  <a:srgbClr val="0D0D0D"/>
-                </a:solidFill>
-                <a:effectLst/>
+            <a:pPr>
+              <a:lnSpc>
+                <a:spcPct val="107000"/>
+              </a:lnSpc>
+              <a:spcBef>
+                <a:spcPts val="1500"/>
+              </a:spcBef>
+              <a:spcAft>
+                <a:spcPts val="1500"/>
+              </a:spcAft>
+            </a:pPr>
+            <a:r>
+              <a:rPr lang="fr-FR" sz="1800" kern="0" dirty="0" err="1">
+                <a:solidFill>
+                  <a:srgbClr val="0D0D0D"/>
+                </a:solidFill>
+                <a:effectLst/>
+                <a:highlight>
+                  <a:srgbClr val="FFFFFF"/>
+                </a:highlight>
                 <a:latin typeface="Segoe UI" panose="020B0502040204020203" pitchFamily="34" charset="0"/>
                 <a:ea typeface="Times New Roman" panose="02020603050405020304" pitchFamily="18" charset="0"/>
-              </a:rPr>
-              <a:t>Centralisation des outils </a:t>
-            </a:r>
-          </a:p>
-          <a:p>
-            <a:r>
-              <a:rPr lang="fr-FR" sz="1800" b="1" kern="0" dirty="0">
-                <a:solidFill>
-                  <a:srgbClr val="0D0D0D"/>
-                </a:solidFill>
-                <a:effectLst/>
+                <a:cs typeface="Times New Roman" panose="02020603050405020304" pitchFamily="18" charset="0"/>
+              </a:rPr>
+              <a:t>MLflow</a:t>
+            </a:r>
+            <a:r>
+              <a:rPr lang="fr-FR" sz="1800" kern="0" dirty="0">
+                <a:solidFill>
+                  <a:srgbClr val="0D0D0D"/>
+                </a:solidFill>
+                <a:effectLst/>
+                <a:highlight>
+                  <a:srgbClr val="FFFFFF"/>
+                </a:highlight>
                 <a:latin typeface="Segoe UI" panose="020B0502040204020203" pitchFamily="34" charset="0"/>
                 <a:ea typeface="Times New Roman" panose="02020603050405020304" pitchFamily="18" charset="0"/>
-              </a:rPr>
-              <a:t>Reproductibilité accrue </a:t>
-            </a:r>
-            <a:endParaRPr lang="fr-FR" b="1" kern="0" dirty="0">
-              <a:solidFill>
-                <a:srgbClr val="0D0D0D"/>
-              </a:solidFill>
-              <a:latin typeface="Segoe UI" panose="020B0502040204020203" pitchFamily="34" charset="0"/>
-              <a:ea typeface="Times New Roman" panose="02020603050405020304" pitchFamily="18" charset="0"/>
+                <a:cs typeface="Times New Roman" panose="02020603050405020304" pitchFamily="18" charset="0"/>
+              </a:rPr>
+              <a:t> occupe une place centrale dans l'écosystème des outils de machine </a:t>
+            </a:r>
+            <a:r>
+              <a:rPr lang="fr-FR" sz="1800" kern="0" dirty="0" err="1">
+                <a:solidFill>
+                  <a:srgbClr val="0D0D0D"/>
+                </a:solidFill>
+                <a:effectLst/>
+                <a:highlight>
+                  <a:srgbClr val="FFFFFF"/>
+                </a:highlight>
+                <a:latin typeface="Segoe UI" panose="020B0502040204020203" pitchFamily="34" charset="0"/>
+                <a:ea typeface="Times New Roman" panose="02020603050405020304" pitchFamily="18" charset="0"/>
+                <a:cs typeface="Times New Roman" panose="02020603050405020304" pitchFamily="18" charset="0"/>
+              </a:rPr>
+              <a:t>learning</a:t>
+            </a:r>
+            <a:r>
+              <a:rPr lang="fr-FR" sz="1800" kern="0" dirty="0">
+                <a:solidFill>
+                  <a:srgbClr val="0D0D0D"/>
+                </a:solidFill>
+                <a:effectLst/>
+                <a:highlight>
+                  <a:srgbClr val="FFFFFF"/>
+                </a:highlight>
+                <a:latin typeface="Segoe UI" panose="020B0502040204020203" pitchFamily="34" charset="0"/>
+                <a:ea typeface="Times New Roman" panose="02020603050405020304" pitchFamily="18" charset="0"/>
+                <a:cs typeface="Times New Roman" panose="02020603050405020304" pitchFamily="18" charset="0"/>
+              </a:rPr>
+              <a:t> en offrant une solution complète pour la gestion du cycle de vie des projets. Bien qu'il existe de nombreux autres outils spécialisés dans des aspects spécifiques du processus de développement de modèles (comme </a:t>
+            </a:r>
+            <a:r>
+              <a:rPr lang="fr-FR" sz="1800" kern="0" dirty="0" err="1">
+                <a:solidFill>
+                  <a:srgbClr val="0D0D0D"/>
+                </a:solidFill>
+                <a:effectLst/>
+                <a:highlight>
+                  <a:srgbClr val="FFFFFF"/>
+                </a:highlight>
+                <a:latin typeface="Segoe UI" panose="020B0502040204020203" pitchFamily="34" charset="0"/>
+                <a:ea typeface="Times New Roman" panose="02020603050405020304" pitchFamily="18" charset="0"/>
+                <a:cs typeface="Times New Roman" panose="02020603050405020304" pitchFamily="18" charset="0"/>
+              </a:rPr>
+              <a:t>TensorFlow</a:t>
+            </a:r>
+            <a:r>
+              <a:rPr lang="fr-FR" sz="1800" kern="0" dirty="0">
+                <a:solidFill>
+                  <a:srgbClr val="0D0D0D"/>
+                </a:solidFill>
+                <a:effectLst/>
+                <a:highlight>
+                  <a:srgbClr val="FFFFFF"/>
+                </a:highlight>
+                <a:latin typeface="Segoe UI" panose="020B0502040204020203" pitchFamily="34" charset="0"/>
+                <a:ea typeface="Times New Roman" panose="02020603050405020304" pitchFamily="18" charset="0"/>
+                <a:cs typeface="Times New Roman" panose="02020603050405020304" pitchFamily="18" charset="0"/>
+              </a:rPr>
+              <a:t> pour l'entraînement de modèles </a:t>
+            </a:r>
+            <a:r>
+              <a:rPr lang="fr-FR" sz="1800" kern="0" dirty="0" err="1">
+                <a:solidFill>
+                  <a:srgbClr val="0D0D0D"/>
+                </a:solidFill>
+                <a:effectLst/>
+                <a:highlight>
+                  <a:srgbClr val="FFFFFF"/>
+                </a:highlight>
+                <a:latin typeface="Segoe UI" panose="020B0502040204020203" pitchFamily="34" charset="0"/>
+                <a:ea typeface="Times New Roman" panose="02020603050405020304" pitchFamily="18" charset="0"/>
+                <a:cs typeface="Times New Roman" panose="02020603050405020304" pitchFamily="18" charset="0"/>
+              </a:rPr>
+              <a:t>deep</a:t>
+            </a:r>
+            <a:r>
+              <a:rPr lang="fr-FR" sz="1800" kern="0" dirty="0">
+                <a:solidFill>
+                  <a:srgbClr val="0D0D0D"/>
+                </a:solidFill>
+                <a:effectLst/>
+                <a:highlight>
+                  <a:srgbClr val="FFFFFF"/>
+                </a:highlight>
+                <a:latin typeface="Segoe UI" panose="020B0502040204020203" pitchFamily="34" charset="0"/>
+                <a:ea typeface="Times New Roman" panose="02020603050405020304" pitchFamily="18" charset="0"/>
+                <a:cs typeface="Times New Roman" panose="02020603050405020304" pitchFamily="18" charset="0"/>
+              </a:rPr>
+              <a:t> </a:t>
+            </a:r>
+            <a:r>
+              <a:rPr lang="fr-FR" sz="1800" kern="0" dirty="0" err="1">
+                <a:solidFill>
+                  <a:srgbClr val="0D0D0D"/>
+                </a:solidFill>
+                <a:effectLst/>
+                <a:highlight>
+                  <a:srgbClr val="FFFFFF"/>
+                </a:highlight>
+                <a:latin typeface="Segoe UI" panose="020B0502040204020203" pitchFamily="34" charset="0"/>
+                <a:ea typeface="Times New Roman" panose="02020603050405020304" pitchFamily="18" charset="0"/>
+                <a:cs typeface="Times New Roman" panose="02020603050405020304" pitchFamily="18" charset="0"/>
+              </a:rPr>
+              <a:t>learning</a:t>
+            </a:r>
+            <a:r>
+              <a:rPr lang="fr-FR" sz="1800" kern="0" dirty="0">
+                <a:solidFill>
+                  <a:srgbClr val="0D0D0D"/>
+                </a:solidFill>
+                <a:effectLst/>
+                <a:highlight>
+                  <a:srgbClr val="FFFFFF"/>
+                </a:highlight>
+                <a:latin typeface="Segoe UI" panose="020B0502040204020203" pitchFamily="34" charset="0"/>
+                <a:ea typeface="Times New Roman" panose="02020603050405020304" pitchFamily="18" charset="0"/>
+                <a:cs typeface="Times New Roman" panose="02020603050405020304" pitchFamily="18" charset="0"/>
+              </a:rPr>
+              <a:t> ou </a:t>
+            </a:r>
+            <a:r>
+              <a:rPr lang="fr-FR" sz="1800" kern="0" dirty="0" err="1">
+                <a:solidFill>
+                  <a:srgbClr val="0D0D0D"/>
+                </a:solidFill>
+                <a:effectLst/>
+                <a:highlight>
+                  <a:srgbClr val="FFFFFF"/>
+                </a:highlight>
+                <a:latin typeface="Segoe UI" panose="020B0502040204020203" pitchFamily="34" charset="0"/>
+                <a:ea typeface="Times New Roman" panose="02020603050405020304" pitchFamily="18" charset="0"/>
+                <a:cs typeface="Times New Roman" panose="02020603050405020304" pitchFamily="18" charset="0"/>
+              </a:rPr>
+              <a:t>scikit-learn</a:t>
+            </a:r>
+            <a:r>
+              <a:rPr lang="fr-FR" sz="1800" kern="0" dirty="0">
+                <a:solidFill>
+                  <a:srgbClr val="0D0D0D"/>
+                </a:solidFill>
+                <a:effectLst/>
+                <a:highlight>
+                  <a:srgbClr val="FFFFFF"/>
+                </a:highlight>
+                <a:latin typeface="Segoe UI" panose="020B0502040204020203" pitchFamily="34" charset="0"/>
+                <a:ea typeface="Times New Roman" panose="02020603050405020304" pitchFamily="18" charset="0"/>
+                <a:cs typeface="Times New Roman" panose="02020603050405020304" pitchFamily="18" charset="0"/>
+              </a:rPr>
+              <a:t> pour les modèles classiques), </a:t>
+            </a:r>
+            <a:r>
+              <a:rPr lang="fr-FR" sz="1800" kern="0" dirty="0" err="1">
+                <a:solidFill>
+                  <a:srgbClr val="0D0D0D"/>
+                </a:solidFill>
+                <a:effectLst/>
+                <a:highlight>
+                  <a:srgbClr val="FFFFFF"/>
+                </a:highlight>
+                <a:latin typeface="Segoe UI" panose="020B0502040204020203" pitchFamily="34" charset="0"/>
+                <a:ea typeface="Times New Roman" panose="02020603050405020304" pitchFamily="18" charset="0"/>
+                <a:cs typeface="Times New Roman" panose="02020603050405020304" pitchFamily="18" charset="0"/>
+              </a:rPr>
+              <a:t>MLflow</a:t>
+            </a:r>
+            <a:r>
+              <a:rPr lang="fr-FR" sz="1800" kern="0" dirty="0">
+                <a:solidFill>
+                  <a:srgbClr val="0D0D0D"/>
+                </a:solidFill>
+                <a:effectLst/>
+                <a:highlight>
+                  <a:srgbClr val="FFFFFF"/>
+                </a:highlight>
+                <a:latin typeface="Segoe UI" panose="020B0502040204020203" pitchFamily="34" charset="0"/>
+                <a:ea typeface="Times New Roman" panose="02020603050405020304" pitchFamily="18" charset="0"/>
+                <a:cs typeface="Times New Roman" panose="02020603050405020304" pitchFamily="18" charset="0"/>
+              </a:rPr>
+              <a:t> se distingue par sa capacité à rassembler ces différentes étapes dans un seul cadre cohérent.</a:t>
+            </a:r>
+            <a:endParaRPr lang="fr-FR" sz="1800" kern="100" dirty="0">
+              <a:effectLst/>
+              <a:highlight>
+                <a:srgbClr val="FFFFFF"/>
+              </a:highlight>
+              <a:latin typeface="Calibri" panose="020F0502020204030204" pitchFamily="34" charset="0"/>
+              <a:ea typeface="Calibri" panose="020F0502020204030204" pitchFamily="34" charset="0"/>
+              <a:cs typeface="Times New Roman" panose="02020603050405020304" pitchFamily="18" charset="0"/>
             </a:endParaRPr>
           </a:p>
           <a:p>
-            <a:r>
-              <a:rPr lang="fr-FR" sz="1800" b="1" kern="0" dirty="0">
-                <a:solidFill>
-                  <a:srgbClr val="0D0D0D"/>
-                </a:solidFill>
-                <a:effectLst/>
+            <a:pPr>
+              <a:lnSpc>
+                <a:spcPct val="107000"/>
+              </a:lnSpc>
+              <a:spcBef>
+                <a:spcPts val="1500"/>
+              </a:spcBef>
+              <a:spcAft>
+                <a:spcPts val="1500"/>
+              </a:spcAft>
+            </a:pPr>
+            <a:r>
+              <a:rPr lang="fr-FR" sz="1800" kern="0" dirty="0">
+                <a:solidFill>
+                  <a:srgbClr val="0D0D0D"/>
+                </a:solidFill>
+                <a:effectLst/>
+                <a:highlight>
+                  <a:srgbClr val="FFFFFF"/>
+                </a:highlight>
                 <a:latin typeface="Segoe UI" panose="020B0502040204020203" pitchFamily="34" charset="0"/>
                 <a:ea typeface="Times New Roman" panose="02020603050405020304" pitchFamily="18" charset="0"/>
-              </a:rPr>
-              <a:t>Facilité de déploiement </a:t>
-            </a:r>
+                <a:cs typeface="Times New Roman" panose="02020603050405020304" pitchFamily="18" charset="0"/>
+              </a:rPr>
+              <a:t>En tant que plateforme open-source, </a:t>
+            </a:r>
+            <a:r>
+              <a:rPr lang="fr-FR" sz="1800" kern="0" dirty="0" err="1">
+                <a:solidFill>
+                  <a:srgbClr val="0D0D0D"/>
+                </a:solidFill>
+                <a:effectLst/>
+                <a:highlight>
+                  <a:srgbClr val="FFFFFF"/>
+                </a:highlight>
+                <a:latin typeface="Segoe UI" panose="020B0502040204020203" pitchFamily="34" charset="0"/>
+                <a:ea typeface="Times New Roman" panose="02020603050405020304" pitchFamily="18" charset="0"/>
+                <a:cs typeface="Times New Roman" panose="02020603050405020304" pitchFamily="18" charset="0"/>
+              </a:rPr>
+              <a:t>MLflow</a:t>
+            </a:r>
+            <a:r>
+              <a:rPr lang="fr-FR" sz="1800" kern="0" dirty="0">
+                <a:solidFill>
+                  <a:srgbClr val="0D0D0D"/>
+                </a:solidFill>
+                <a:effectLst/>
+                <a:highlight>
+                  <a:srgbClr val="FFFFFF"/>
+                </a:highlight>
+                <a:latin typeface="Segoe UI" panose="020B0502040204020203" pitchFamily="34" charset="0"/>
+                <a:ea typeface="Times New Roman" panose="02020603050405020304" pitchFamily="18" charset="0"/>
+                <a:cs typeface="Times New Roman" panose="02020603050405020304" pitchFamily="18" charset="0"/>
+              </a:rPr>
+              <a:t> bénéficie également d'une large communauté d'utilisateurs et de contributeurs, ce qui en fait un choix attrayant pour de nombreuses équipes de machine </a:t>
+            </a:r>
+            <a:r>
+              <a:rPr lang="fr-FR" sz="1800" kern="0" dirty="0" err="1">
+                <a:solidFill>
+                  <a:srgbClr val="0D0D0D"/>
+                </a:solidFill>
+                <a:effectLst/>
+                <a:highlight>
+                  <a:srgbClr val="FFFFFF"/>
+                </a:highlight>
+                <a:latin typeface="Segoe UI" panose="020B0502040204020203" pitchFamily="34" charset="0"/>
+                <a:ea typeface="Times New Roman" panose="02020603050405020304" pitchFamily="18" charset="0"/>
+                <a:cs typeface="Times New Roman" panose="02020603050405020304" pitchFamily="18" charset="0"/>
+              </a:rPr>
+              <a:t>learning</a:t>
+            </a:r>
+            <a:r>
+              <a:rPr lang="fr-FR" sz="1800" kern="0" dirty="0">
+                <a:solidFill>
+                  <a:srgbClr val="0D0D0D"/>
+                </a:solidFill>
+                <a:effectLst/>
+                <a:highlight>
+                  <a:srgbClr val="FFFFFF"/>
+                </a:highlight>
+                <a:latin typeface="Segoe UI" panose="020B0502040204020203" pitchFamily="34" charset="0"/>
+                <a:ea typeface="Times New Roman" panose="02020603050405020304" pitchFamily="18" charset="0"/>
+                <a:cs typeface="Times New Roman" panose="02020603050405020304" pitchFamily="18" charset="0"/>
+              </a:rPr>
+              <a:t>. De plus, son intégration avec d'autres outils et </a:t>
+            </a:r>
+            <a:r>
+              <a:rPr lang="fr-FR" sz="1800" kern="0" dirty="0" err="1">
+                <a:solidFill>
+                  <a:srgbClr val="0D0D0D"/>
+                </a:solidFill>
+                <a:effectLst/>
+                <a:highlight>
+                  <a:srgbClr val="FFFFFF"/>
+                </a:highlight>
+                <a:latin typeface="Segoe UI" panose="020B0502040204020203" pitchFamily="34" charset="0"/>
+                <a:ea typeface="Times New Roman" panose="02020603050405020304" pitchFamily="18" charset="0"/>
+                <a:cs typeface="Times New Roman" panose="02020603050405020304" pitchFamily="18" charset="0"/>
+              </a:rPr>
+              <a:t>frameworks</a:t>
+            </a:r>
+            <a:r>
+              <a:rPr lang="fr-FR" sz="1800" kern="0" dirty="0">
+                <a:solidFill>
+                  <a:srgbClr val="0D0D0D"/>
+                </a:solidFill>
+                <a:effectLst/>
+                <a:highlight>
+                  <a:srgbClr val="FFFFFF"/>
+                </a:highlight>
+                <a:latin typeface="Segoe UI" panose="020B0502040204020203" pitchFamily="34" charset="0"/>
+                <a:ea typeface="Times New Roman" panose="02020603050405020304" pitchFamily="18" charset="0"/>
+                <a:cs typeface="Times New Roman" panose="02020603050405020304" pitchFamily="18" charset="0"/>
+              </a:rPr>
+              <a:t> populaires, tels que </a:t>
+            </a:r>
+            <a:r>
+              <a:rPr lang="fr-FR" sz="1800" kern="0" dirty="0" err="1">
+                <a:solidFill>
+                  <a:srgbClr val="0D0D0D"/>
+                </a:solidFill>
+                <a:effectLst/>
+                <a:highlight>
+                  <a:srgbClr val="FFFFFF"/>
+                </a:highlight>
+                <a:latin typeface="Segoe UI" panose="020B0502040204020203" pitchFamily="34" charset="0"/>
+                <a:ea typeface="Times New Roman" panose="02020603050405020304" pitchFamily="18" charset="0"/>
+                <a:cs typeface="Times New Roman" panose="02020603050405020304" pitchFamily="18" charset="0"/>
+              </a:rPr>
+              <a:t>TensorFlow</a:t>
+            </a:r>
+            <a:r>
+              <a:rPr lang="fr-FR" sz="1800" kern="0" dirty="0">
+                <a:solidFill>
+                  <a:srgbClr val="0D0D0D"/>
+                </a:solidFill>
+                <a:effectLst/>
+                <a:highlight>
+                  <a:srgbClr val="FFFFFF"/>
+                </a:highlight>
+                <a:latin typeface="Segoe UI" panose="020B0502040204020203" pitchFamily="34" charset="0"/>
+                <a:ea typeface="Times New Roman" panose="02020603050405020304" pitchFamily="18" charset="0"/>
+                <a:cs typeface="Times New Roman" panose="02020603050405020304" pitchFamily="18" charset="0"/>
+              </a:rPr>
+              <a:t>, </a:t>
+            </a:r>
+            <a:r>
+              <a:rPr lang="fr-FR" sz="1800" kern="0" dirty="0" err="1">
+                <a:solidFill>
+                  <a:srgbClr val="0D0D0D"/>
+                </a:solidFill>
+                <a:effectLst/>
+                <a:highlight>
+                  <a:srgbClr val="FFFFFF"/>
+                </a:highlight>
+                <a:latin typeface="Segoe UI" panose="020B0502040204020203" pitchFamily="34" charset="0"/>
+                <a:ea typeface="Times New Roman" panose="02020603050405020304" pitchFamily="18" charset="0"/>
+                <a:cs typeface="Times New Roman" panose="02020603050405020304" pitchFamily="18" charset="0"/>
+              </a:rPr>
+              <a:t>PyTorch</a:t>
+            </a:r>
+            <a:r>
+              <a:rPr lang="fr-FR" sz="1800" kern="0" dirty="0">
+                <a:solidFill>
+                  <a:srgbClr val="0D0D0D"/>
+                </a:solidFill>
+                <a:effectLst/>
+                <a:highlight>
+                  <a:srgbClr val="FFFFFF"/>
+                </a:highlight>
+                <a:latin typeface="Segoe UI" panose="020B0502040204020203" pitchFamily="34" charset="0"/>
+                <a:ea typeface="Times New Roman" panose="02020603050405020304" pitchFamily="18" charset="0"/>
+                <a:cs typeface="Times New Roman" panose="02020603050405020304" pitchFamily="18" charset="0"/>
+              </a:rPr>
+              <a:t> et </a:t>
+            </a:r>
+            <a:r>
+              <a:rPr lang="fr-FR" sz="1800" kern="0" dirty="0" err="1">
+                <a:solidFill>
+                  <a:srgbClr val="0D0D0D"/>
+                </a:solidFill>
+                <a:effectLst/>
+                <a:highlight>
+                  <a:srgbClr val="FFFFFF"/>
+                </a:highlight>
+                <a:latin typeface="Segoe UI" panose="020B0502040204020203" pitchFamily="34" charset="0"/>
+                <a:ea typeface="Times New Roman" panose="02020603050405020304" pitchFamily="18" charset="0"/>
+                <a:cs typeface="Times New Roman" panose="02020603050405020304" pitchFamily="18" charset="0"/>
+              </a:rPr>
+              <a:t>Kubernetes</a:t>
+            </a:r>
+            <a:r>
+              <a:rPr lang="fr-FR" sz="1800" kern="0" dirty="0">
+                <a:solidFill>
+                  <a:srgbClr val="0D0D0D"/>
+                </a:solidFill>
+                <a:effectLst/>
+                <a:highlight>
+                  <a:srgbClr val="FFFFFF"/>
+                </a:highlight>
+                <a:latin typeface="Segoe UI" panose="020B0502040204020203" pitchFamily="34" charset="0"/>
+                <a:ea typeface="Times New Roman" panose="02020603050405020304" pitchFamily="18" charset="0"/>
+                <a:cs typeface="Times New Roman" panose="02020603050405020304" pitchFamily="18" charset="0"/>
+              </a:rPr>
+              <a:t>, renforce sa position en tant qu'élément essentiel de l'infrastructure de machine </a:t>
+            </a:r>
+            <a:r>
+              <a:rPr lang="fr-FR" sz="1800" kern="0" dirty="0" err="1">
+                <a:solidFill>
+                  <a:srgbClr val="0D0D0D"/>
+                </a:solidFill>
+                <a:effectLst/>
+                <a:highlight>
+                  <a:srgbClr val="FFFFFF"/>
+                </a:highlight>
+                <a:latin typeface="Segoe UI" panose="020B0502040204020203" pitchFamily="34" charset="0"/>
+                <a:ea typeface="Times New Roman" panose="02020603050405020304" pitchFamily="18" charset="0"/>
+                <a:cs typeface="Times New Roman" panose="02020603050405020304" pitchFamily="18" charset="0"/>
+              </a:rPr>
+              <a:t>learning</a:t>
+            </a:r>
+            <a:r>
+              <a:rPr lang="fr-FR" sz="1800" kern="0" dirty="0">
+                <a:solidFill>
+                  <a:srgbClr val="0D0D0D"/>
+                </a:solidFill>
+                <a:effectLst/>
+                <a:highlight>
+                  <a:srgbClr val="FFFFFF"/>
+                </a:highlight>
+                <a:latin typeface="Segoe UI" panose="020B0502040204020203" pitchFamily="34" charset="0"/>
+                <a:ea typeface="Times New Roman" panose="02020603050405020304" pitchFamily="18" charset="0"/>
+                <a:cs typeface="Times New Roman" panose="02020603050405020304" pitchFamily="18" charset="0"/>
+              </a:rPr>
+              <a:t> moderne.</a:t>
+            </a:r>
+            <a:endParaRPr lang="fr-FR" sz="1800" kern="100" dirty="0">
+              <a:effectLst/>
+              <a:highlight>
+                <a:srgbClr val="FFFFFF"/>
+              </a:highlight>
+              <a:latin typeface="Calibri" panose="020F0502020204030204" pitchFamily="34" charset="0"/>
+              <a:ea typeface="Calibri" panose="020F0502020204030204" pitchFamily="34" charset="0"/>
+              <a:cs typeface="Times New Roman" panose="02020603050405020304" pitchFamily="18" charset="0"/>
+            </a:endParaRPr>
+          </a:p>
+          <a:p>
             <a:endParaRPr lang="fr-FR" dirty="0"/>
           </a:p>
         </p:txBody>
@@ -6564,7 +7268,7 @@
     </p:spTree>
     <p:extLst>
       <p:ext uri="{BB962C8B-B14F-4D97-AF65-F5344CB8AC3E}">
-        <p14:creationId xmlns:p14="http://schemas.microsoft.com/office/powerpoint/2010/main" val="3778279453"/>
+        <p14:creationId xmlns:p14="http://schemas.microsoft.com/office/powerpoint/2010/main" val="2426476624"/>
       </p:ext>
     </p:extLst>
   </p:cSld>
@@ -6593,10 +7297,10 @@
       </p:grpSpPr>
       <p:sp>
         <p:nvSpPr>
-          <p:cNvPr id="2" name="Titre 1">
+          <p:cNvPr id="3" name="Espace réservé du contenu 2">
             <a:extLst>
               <a:ext uri="{FF2B5EF4-FFF2-40B4-BE49-F238E27FC236}">
-                <a16:creationId xmlns:a16="http://schemas.microsoft.com/office/drawing/2014/main" id="{CAE415E5-3413-E84D-D8D2-5E1CD9391839}"/>
+                <a16:creationId xmlns:a16="http://schemas.microsoft.com/office/drawing/2014/main" id="{526C7666-4D4B-55ED-E7AB-84E11E82CCB1}"/>
               </a:ext>
             </a:extLst>
           </p:cNvPr>
@@ -6604,238 +7308,353 @@
             <a:spLocks noGrp="1"/>
           </p:cNvSpPr>
           <p:nvPr>
-            <p:ph type="title"/>
-          </p:nvPr>
-        </p:nvSpPr>
-        <p:spPr/>
+            <p:ph idx="1"/>
+          </p:nvPr>
+        </p:nvSpPr>
+        <p:spPr>
+          <a:xfrm>
+            <a:off x="551828" y="681412"/>
+            <a:ext cx="8798360" cy="5558023"/>
+          </a:xfrm>
+        </p:spPr>
         <p:txBody>
           <a:bodyPr>
             <a:normAutofit/>
           </a:bodyPr>
           <a:lstStyle/>
           <a:p>
-            <a:r>
-              <a:rPr lang="fr-FR" b="1" dirty="0">
-                <a:effectLst/>
-                <a:ea typeface="Calibri" panose="020F0502020204030204" pitchFamily="34" charset="0"/>
-              </a:rPr>
-              <a:t>Les composants clés de </a:t>
-            </a:r>
-            <a:r>
-              <a:rPr lang="fr-FR" b="1" dirty="0" err="1">
-                <a:effectLst/>
-                <a:ea typeface="Calibri" panose="020F0502020204030204" pitchFamily="34" charset="0"/>
+            <a:pPr algn="l">
+              <a:buFont typeface="Arial" panose="020B0604020202020204" pitchFamily="34" charset="0"/>
+              <a:buChar char="•"/>
+            </a:pPr>
+            <a:r>
+              <a:rPr lang="fr-FR" b="0" i="1" dirty="0" err="1">
+                <a:solidFill>
+                  <a:srgbClr val="374151"/>
+                </a:solidFill>
+                <a:effectLst/>
+                <a:latin typeface="Inter var"/>
               </a:rPr>
               <a:t>MLflow</a:t>
             </a:r>
             <a:r>
-              <a:rPr lang="fr-FR" b="1" dirty="0">
-                <a:effectLst/>
-                <a:ea typeface="Calibri" panose="020F0502020204030204" pitchFamily="34" charset="0"/>
-              </a:rPr>
-              <a:t> et leurs rôles </a:t>
-            </a:r>
-            <a:endParaRPr lang="fr-FR" sz="6000" dirty="0"/>
-          </a:p>
-        </p:txBody>
-      </p:sp>
-      <p:sp>
-        <p:nvSpPr>
-          <p:cNvPr id="3" name="Espace réservé du contenu 2">
-            <a:extLst>
-              <a:ext uri="{FF2B5EF4-FFF2-40B4-BE49-F238E27FC236}">
-                <a16:creationId xmlns:a16="http://schemas.microsoft.com/office/drawing/2014/main" id="{F2231C1A-C0BE-EED8-C8D8-C14CA5A402AE}"/>
-              </a:ext>
-            </a:extLst>
-          </p:cNvPr>
-          <p:cNvSpPr>
-            <a:spLocks noGrp="1"/>
-          </p:cNvSpPr>
-          <p:nvPr>
-            <p:ph idx="1"/>
-          </p:nvPr>
-        </p:nvSpPr>
-        <p:spPr/>
-        <p:txBody>
-          <a:bodyPr/>
-          <a:lstStyle/>
-          <a:p>
-            <a:r>
-              <a:rPr lang="fr-FR" sz="1800" b="1" dirty="0">
-                <a:solidFill>
-                  <a:srgbClr val="0D0D0D"/>
-                </a:solidFill>
-                <a:effectLst/>
-                <a:latin typeface="Segoe UI" panose="020B0502040204020203" pitchFamily="34" charset="0"/>
-                <a:ea typeface="Calibri" panose="020F0502020204030204" pitchFamily="34" charset="0"/>
-              </a:rPr>
-              <a:t>Suivi des expériences (</a:t>
-            </a:r>
-            <a:r>
-              <a:rPr lang="fr-FR" sz="1800" b="1" dirty="0" err="1">
-                <a:solidFill>
-                  <a:srgbClr val="0D0D0D"/>
-                </a:solidFill>
-                <a:effectLst/>
-                <a:latin typeface="Segoe UI" panose="020B0502040204020203" pitchFamily="34" charset="0"/>
-                <a:ea typeface="Calibri" panose="020F0502020204030204" pitchFamily="34" charset="0"/>
+              <a:rPr lang="fr-FR" b="0" i="1" dirty="0">
+                <a:solidFill>
+                  <a:srgbClr val="374151"/>
+                </a:solidFill>
+                <a:effectLst/>
+                <a:latin typeface="Inter var"/>
+              </a:rPr>
+              <a:t> </a:t>
+            </a:r>
+            <a:r>
+              <a:rPr lang="fr-FR" b="0" i="1" dirty="0" err="1">
+                <a:solidFill>
+                  <a:srgbClr val="374151"/>
+                </a:solidFill>
+                <a:effectLst/>
+                <a:latin typeface="Inter var"/>
               </a:rPr>
               <a:t>Tracking</a:t>
             </a:r>
             <a:r>
-              <a:rPr lang="fr-FR" sz="1800" b="1" dirty="0">
-                <a:solidFill>
-                  <a:srgbClr val="0D0D0D"/>
-                </a:solidFill>
-                <a:effectLst/>
-                <a:latin typeface="Segoe UI" panose="020B0502040204020203" pitchFamily="34" charset="0"/>
-                <a:ea typeface="Calibri" panose="020F0502020204030204" pitchFamily="34" charset="0"/>
-              </a:rPr>
-              <a:t>)</a:t>
-            </a:r>
-            <a:r>
-              <a:rPr lang="fr-FR" sz="1800" dirty="0">
-                <a:solidFill>
-                  <a:srgbClr val="0D0D0D"/>
-                </a:solidFill>
-                <a:effectLst/>
-                <a:latin typeface="Segoe UI" panose="020B0502040204020203" pitchFamily="34" charset="0"/>
-                <a:ea typeface="Calibri" panose="020F0502020204030204" pitchFamily="34" charset="0"/>
+              <a:rPr lang="fr-FR" b="0" i="0" dirty="0">
+                <a:solidFill>
+                  <a:srgbClr val="374151"/>
+                </a:solidFill>
+                <a:effectLst/>
+                <a:latin typeface="Inter var"/>
+              </a:rPr>
+              <a:t> - assure le suivi des exécutions en enregistrant les métriques, les paramètres, les balises et les artefacts. Il nous permet de les visualiser et de les comparer dans un navigateur de manière simple. De plus, il crée différents fichiers avec la description de l’environnement dans lequel l’exécution a été effectuée (</a:t>
+            </a:r>
+            <a:r>
+              <a:rPr lang="fr-FR" b="0" i="0" dirty="0" err="1">
+                <a:solidFill>
+                  <a:srgbClr val="374151"/>
+                </a:solidFill>
+                <a:effectLst/>
+                <a:latin typeface="Inter var"/>
+              </a:rPr>
+              <a:t>MLmodel</a:t>
+            </a:r>
+            <a:r>
+              <a:rPr lang="fr-FR" b="0" i="0" dirty="0">
+                <a:solidFill>
+                  <a:srgbClr val="374151"/>
+                </a:solidFill>
+                <a:effectLst/>
+                <a:latin typeface="Inter var"/>
+              </a:rPr>
+              <a:t>, </a:t>
+            </a:r>
+            <a:r>
+              <a:rPr lang="fr-FR" b="0" i="0" dirty="0" err="1">
+                <a:solidFill>
+                  <a:srgbClr val="374151"/>
+                </a:solidFill>
+                <a:effectLst/>
+                <a:latin typeface="Inter var"/>
+              </a:rPr>
+              <a:t>conda.yaml</a:t>
+            </a:r>
+            <a:r>
+              <a:rPr lang="fr-FR" b="0" i="0" dirty="0">
+                <a:solidFill>
+                  <a:srgbClr val="374151"/>
+                </a:solidFill>
+                <a:effectLst/>
+                <a:latin typeface="Inter var"/>
+              </a:rPr>
+              <a:t>, code modèle).</a:t>
+            </a:r>
+          </a:p>
+          <a:p>
+            <a:pPr algn="l">
+              <a:buFont typeface="Arial" panose="020B0604020202020204" pitchFamily="34" charset="0"/>
+              <a:buChar char="•"/>
+            </a:pPr>
+            <a:r>
+              <a:rPr lang="fr-FR" b="0" i="1" dirty="0" err="1">
+                <a:solidFill>
+                  <a:srgbClr val="374151"/>
+                </a:solidFill>
+                <a:effectLst/>
+                <a:latin typeface="Inter var"/>
+              </a:rPr>
+              <a:t>MLflow</a:t>
+            </a:r>
+            <a:r>
+              <a:rPr lang="fr-FR" b="0" i="1" dirty="0">
+                <a:solidFill>
+                  <a:srgbClr val="374151"/>
+                </a:solidFill>
+                <a:effectLst/>
+                <a:latin typeface="Inter var"/>
+              </a:rPr>
+              <a:t> Project</a:t>
+            </a:r>
+            <a:r>
+              <a:rPr lang="fr-FR" b="0" i="0" dirty="0">
+                <a:solidFill>
+                  <a:srgbClr val="374151"/>
+                </a:solidFill>
+                <a:effectLst/>
+                <a:latin typeface="Inter var"/>
+              </a:rPr>
+              <a:t> - est un format permettant de packager du code de manière réutilisable et reproductible. Il utilise des artefacts enregistrés à l’étape du suivi.</a:t>
+            </a:r>
+          </a:p>
+          <a:p>
+            <a:pPr algn="l">
+              <a:buFont typeface="Arial" panose="020B0604020202020204" pitchFamily="34" charset="0"/>
+              <a:buChar char="•"/>
+            </a:pPr>
+            <a:r>
+              <a:rPr lang="fr-FR" b="0" i="1" dirty="0" err="1">
+                <a:solidFill>
+                  <a:srgbClr val="374151"/>
+                </a:solidFill>
+                <a:effectLst/>
+                <a:latin typeface="Inter var"/>
+              </a:rPr>
+              <a:t>MLflow</a:t>
+            </a:r>
+            <a:r>
+              <a:rPr lang="fr-FR" b="0" i="1" dirty="0">
+                <a:solidFill>
+                  <a:srgbClr val="374151"/>
+                </a:solidFill>
+                <a:effectLst/>
+                <a:latin typeface="Inter var"/>
+              </a:rPr>
+              <a:t> Model</a:t>
+            </a:r>
+            <a:r>
+              <a:rPr lang="fr-FR" b="0" i="0" dirty="0">
+                <a:solidFill>
+                  <a:srgbClr val="374151"/>
+                </a:solidFill>
+                <a:effectLst/>
+                <a:latin typeface="Inter var"/>
+              </a:rPr>
+              <a:t> - est un format standard pour le packaging des modèles. Le format définit une convention qui permet de sauvegarder un modèle selon sa préférence (par exemple, fonction Python, fonction R, </a:t>
+            </a:r>
+            <a:r>
+              <a:rPr lang="fr-FR" b="0" i="0" dirty="0" err="1">
+                <a:solidFill>
+                  <a:srgbClr val="374151"/>
+                </a:solidFill>
+                <a:effectLst/>
+                <a:latin typeface="Inter var"/>
+              </a:rPr>
+              <a:t>Scikit-learn</a:t>
+            </a:r>
+            <a:r>
+              <a:rPr lang="fr-FR" b="0" i="0" dirty="0">
+                <a:solidFill>
+                  <a:srgbClr val="374151"/>
+                </a:solidFill>
+                <a:effectLst/>
+                <a:latin typeface="Inter var"/>
+              </a:rPr>
+              <a:t>, </a:t>
+            </a:r>
+            <a:r>
+              <a:rPr lang="fr-FR" b="0" i="0" dirty="0" err="1">
+                <a:solidFill>
+                  <a:srgbClr val="374151"/>
+                </a:solidFill>
+                <a:effectLst/>
+                <a:latin typeface="Inter var"/>
+              </a:rPr>
+              <a:t>TensorFlow</a:t>
+            </a:r>
+            <a:r>
+              <a:rPr lang="fr-FR" b="0" i="0" dirty="0">
+                <a:solidFill>
+                  <a:srgbClr val="374151"/>
+                </a:solidFill>
+                <a:effectLst/>
+                <a:latin typeface="Inter var"/>
+              </a:rPr>
+              <a:t>, Spark </a:t>
+            </a:r>
+            <a:r>
+              <a:rPr lang="fr-FR" b="0" i="0" dirty="0" err="1">
+                <a:solidFill>
+                  <a:srgbClr val="374151"/>
+                </a:solidFill>
+                <a:effectLst/>
+                <a:latin typeface="Inter var"/>
+              </a:rPr>
+              <a:t>MLlib</a:t>
+            </a:r>
+            <a:r>
+              <a:rPr lang="fr-FR" b="0" i="0" dirty="0">
+                <a:solidFill>
+                  <a:srgbClr val="374151"/>
+                </a:solidFill>
+                <a:effectLst/>
+                <a:latin typeface="Inter var"/>
+              </a:rPr>
+              <a:t>…) qui peuvent être interprété par différents outils complémentaires à </a:t>
+            </a:r>
+            <a:r>
+              <a:rPr lang="fr-FR" b="0" i="0" dirty="0" err="1">
+                <a:solidFill>
+                  <a:srgbClr val="374151"/>
+                </a:solidFill>
+                <a:effectLst/>
+                <a:latin typeface="Inter var"/>
+              </a:rPr>
+              <a:t>MLflow</a:t>
+            </a:r>
+            <a:r>
+              <a:rPr lang="fr-FR" b="0" i="0" dirty="0">
+                <a:solidFill>
+                  <a:srgbClr val="374151"/>
+                </a:solidFill>
+                <a:effectLst/>
+                <a:latin typeface="Inter var"/>
+              </a:rPr>
+              <a:t>.</a:t>
+            </a:r>
+          </a:p>
+          <a:p>
+            <a:pPr algn="l">
+              <a:buFont typeface="Arial" panose="020B0604020202020204" pitchFamily="34" charset="0"/>
+              <a:buChar char="•"/>
+            </a:pPr>
+            <a:r>
+              <a:rPr lang="fr-FR" b="0" i="1" dirty="0" err="1">
+                <a:solidFill>
+                  <a:srgbClr val="374151"/>
+                </a:solidFill>
+                <a:effectLst/>
+                <a:latin typeface="Inter var"/>
+              </a:rPr>
+              <a:t>MLflow</a:t>
+            </a:r>
+            <a:r>
+              <a:rPr lang="fr-FR" b="0" i="1" dirty="0">
+                <a:solidFill>
+                  <a:srgbClr val="374151"/>
+                </a:solidFill>
+                <a:effectLst/>
+                <a:latin typeface="Inter var"/>
               </a:rPr>
               <a:t> </a:t>
             </a:r>
-          </a:p>
-          <a:p>
-            <a:r>
-              <a:rPr lang="fr-FR" sz="1800" b="1" dirty="0">
-                <a:solidFill>
-                  <a:srgbClr val="0D0D0D"/>
-                </a:solidFill>
-                <a:effectLst/>
-                <a:latin typeface="Segoe UI" panose="020B0502040204020203" pitchFamily="34" charset="0"/>
-                <a:ea typeface="Calibri" panose="020F0502020204030204" pitchFamily="34" charset="0"/>
-              </a:rPr>
-              <a:t>Gestion des modèles (Model Management)</a:t>
-            </a:r>
-            <a:r>
-              <a:rPr lang="fr-FR" sz="1800" dirty="0">
-                <a:solidFill>
-                  <a:srgbClr val="0D0D0D"/>
-                </a:solidFill>
-                <a:effectLst/>
-                <a:latin typeface="Segoe UI" panose="020B0502040204020203" pitchFamily="34" charset="0"/>
-                <a:ea typeface="Calibri" panose="020F0502020204030204" pitchFamily="34" charset="0"/>
-              </a:rPr>
-              <a:t> </a:t>
-            </a:r>
-            <a:endParaRPr lang="fr-FR" dirty="0">
-              <a:solidFill>
-                <a:srgbClr val="0D0D0D"/>
-              </a:solidFill>
-              <a:latin typeface="Segoe UI" panose="020B0502040204020203" pitchFamily="34" charset="0"/>
-              <a:ea typeface="Calibri" panose="020F0502020204030204" pitchFamily="34" charset="0"/>
-            </a:endParaRPr>
-          </a:p>
-          <a:p>
-            <a:r>
-              <a:rPr lang="fr-FR" sz="1800" b="1" dirty="0">
-                <a:solidFill>
-                  <a:srgbClr val="0D0D0D"/>
-                </a:solidFill>
-                <a:effectLst/>
-                <a:latin typeface="Segoe UI" panose="020B0502040204020203" pitchFamily="34" charset="0"/>
-                <a:ea typeface="Calibri" panose="020F0502020204030204" pitchFamily="34" charset="0"/>
-              </a:rPr>
-              <a:t>Déploiement de modèles (Model </a:t>
-            </a:r>
-            <a:r>
-              <a:rPr lang="fr-FR" sz="1800" b="1" dirty="0" err="1">
-                <a:solidFill>
-                  <a:srgbClr val="0D0D0D"/>
-                </a:solidFill>
-                <a:effectLst/>
-                <a:latin typeface="Segoe UI" panose="020B0502040204020203" pitchFamily="34" charset="0"/>
-                <a:ea typeface="Calibri" panose="020F0502020204030204" pitchFamily="34" charset="0"/>
-              </a:rPr>
-              <a:t>Deployment</a:t>
-            </a:r>
-            <a:r>
-              <a:rPr lang="fr-FR" sz="1800" b="1" dirty="0">
-                <a:solidFill>
-                  <a:srgbClr val="0D0D0D"/>
-                </a:solidFill>
-                <a:effectLst/>
-                <a:latin typeface="Segoe UI" panose="020B0502040204020203" pitchFamily="34" charset="0"/>
-                <a:ea typeface="Calibri" panose="020F0502020204030204" pitchFamily="34" charset="0"/>
-              </a:rPr>
-              <a:t>)</a:t>
-            </a:r>
-            <a:r>
-              <a:rPr lang="fr-FR" sz="1800" dirty="0">
-                <a:solidFill>
-                  <a:srgbClr val="0D0D0D"/>
-                </a:solidFill>
-                <a:effectLst/>
-                <a:latin typeface="Segoe UI" panose="020B0502040204020203" pitchFamily="34" charset="0"/>
-                <a:ea typeface="Calibri" panose="020F0502020204030204" pitchFamily="34" charset="0"/>
-              </a:rPr>
-              <a:t> </a:t>
-            </a:r>
-          </a:p>
-          <a:p>
-            <a:r>
-              <a:rPr lang="fr-FR" b="1" dirty="0">
-                <a:solidFill>
-                  <a:srgbClr val="0D0D0D"/>
-                </a:solidFill>
-                <a:latin typeface="Segoe UI" panose="020B0502040204020203" pitchFamily="34" charset="0"/>
-                <a:ea typeface="Calibri" panose="020F0502020204030204" pitchFamily="34" charset="0"/>
-              </a:rPr>
-              <a:t>Évaluation </a:t>
-            </a:r>
-          </a:p>
-          <a:p>
-            <a:r>
-              <a:rPr lang="fr-FR" b="1" dirty="0">
-                <a:solidFill>
-                  <a:srgbClr val="0D0D0D"/>
-                </a:solidFill>
-                <a:latin typeface="Segoe UI" panose="020B0502040204020203" pitchFamily="34" charset="0"/>
-                <a:ea typeface="Calibri" panose="020F0502020204030204" pitchFamily="34" charset="0"/>
-              </a:rPr>
-              <a:t>Interface utilisateur d'ingénierie de prompts</a:t>
-            </a:r>
-          </a:p>
-          <a:p>
-            <a:r>
-              <a:rPr lang="fr-FR" b="1" dirty="0">
-                <a:solidFill>
-                  <a:srgbClr val="0D0D0D"/>
-                </a:solidFill>
-                <a:latin typeface="Segoe UI" panose="020B0502040204020203" pitchFamily="34" charset="0"/>
-                <a:ea typeface="Calibri" panose="020F0502020204030204" pitchFamily="34" charset="0"/>
-              </a:rPr>
-              <a:t>Recettes </a:t>
-            </a:r>
-          </a:p>
-          <a:p>
-            <a:r>
-              <a:rPr lang="fr-FR" b="1" dirty="0">
-                <a:solidFill>
-                  <a:srgbClr val="0D0D0D"/>
-                </a:solidFill>
-                <a:latin typeface="Segoe UI" panose="020B0502040204020203" pitchFamily="34" charset="0"/>
-                <a:ea typeface="Calibri" panose="020F0502020204030204" pitchFamily="34" charset="0"/>
-              </a:rPr>
-              <a:t>Projets </a:t>
-            </a:r>
+            <a:r>
+              <a:rPr lang="fr-FR" b="0" i="1" dirty="0" err="1">
+                <a:solidFill>
+                  <a:srgbClr val="374151"/>
+                </a:solidFill>
+                <a:effectLst/>
+                <a:latin typeface="Inter var"/>
+              </a:rPr>
+              <a:t>Registry</a:t>
+            </a:r>
+            <a:r>
+              <a:rPr lang="fr-FR" b="0" i="0" dirty="0">
+                <a:solidFill>
+                  <a:srgbClr val="374151"/>
+                </a:solidFill>
+                <a:effectLst/>
+                <a:latin typeface="Inter var"/>
+              </a:rPr>
+              <a:t> - est un magasin de modèles centralisé. Il fournit la lignée du modèle (qui a produit le modèle), le </a:t>
+            </a:r>
+            <a:r>
+              <a:rPr lang="fr-FR" b="0" i="0" dirty="0" err="1">
+                <a:solidFill>
+                  <a:srgbClr val="374151"/>
+                </a:solidFill>
+                <a:effectLst/>
+                <a:latin typeface="Inter var"/>
+              </a:rPr>
+              <a:t>versionnement</a:t>
+            </a:r>
+            <a:r>
+              <a:rPr lang="fr-FR" b="0" i="0" dirty="0">
+                <a:solidFill>
+                  <a:srgbClr val="374151"/>
+                </a:solidFill>
+                <a:effectLst/>
+                <a:latin typeface="Inter var"/>
+              </a:rPr>
+              <a:t> du modèle, les transitions d’étape (par exemple du </a:t>
+            </a:r>
+            <a:r>
+              <a:rPr lang="fr-FR" b="0" i="0" dirty="0" err="1">
+                <a:solidFill>
+                  <a:srgbClr val="374151"/>
+                </a:solidFill>
+                <a:effectLst/>
+                <a:latin typeface="Inter var"/>
+              </a:rPr>
+              <a:t>lab</a:t>
+            </a:r>
+            <a:r>
+              <a:rPr lang="fr-FR" b="0" i="0" dirty="0">
+                <a:solidFill>
+                  <a:srgbClr val="374151"/>
+                </a:solidFill>
+                <a:effectLst/>
+                <a:latin typeface="Inter var"/>
+              </a:rPr>
+              <a:t> à la production) et les annotations.</a:t>
+            </a:r>
+          </a:p>
+          <a:p>
+            <a:endParaRPr lang="fr-FR" dirty="0"/>
           </a:p>
         </p:txBody>
       </p:sp>
     </p:spTree>
     <p:extLst>
       <p:ext uri="{BB962C8B-B14F-4D97-AF65-F5344CB8AC3E}">
-        <p14:creationId xmlns:p14="http://schemas.microsoft.com/office/powerpoint/2010/main" val="2250382348"/>
+        <p14:creationId xmlns:p14="http://schemas.microsoft.com/office/powerpoint/2010/main" val="283983494"/>
       </p:ext>
     </p:extLst>
   </p:cSld>
@@ -6867,6 +7686,404 @@
           <p:cNvPr id="2" name="Titre 1">
             <a:extLst>
               <a:ext uri="{FF2B5EF4-FFF2-40B4-BE49-F238E27FC236}">
+                <a16:creationId xmlns:a16="http://schemas.microsoft.com/office/drawing/2014/main" id="{EEAB1200-6658-F704-D05D-0CBB42F87571}"/>
+              </a:ext>
+            </a:extLst>
+          </p:cNvPr>
+          <p:cNvSpPr>
+            <a:spLocks noGrp="1"/>
+          </p:cNvSpPr>
+          <p:nvPr>
+            <p:ph type="title"/>
+          </p:nvPr>
+        </p:nvSpPr>
+        <p:spPr/>
+        <p:txBody>
+          <a:bodyPr/>
+          <a:lstStyle/>
+          <a:p>
+            <a:r>
+              <a:rPr lang="fr-FR" dirty="0"/>
+              <a:t>Avantages</a:t>
+            </a:r>
+          </a:p>
+        </p:txBody>
+      </p:sp>
+      <p:sp>
+        <p:nvSpPr>
+          <p:cNvPr id="3" name="Espace réservé du contenu 2">
+            <a:extLst>
+              <a:ext uri="{FF2B5EF4-FFF2-40B4-BE49-F238E27FC236}">
+                <a16:creationId xmlns:a16="http://schemas.microsoft.com/office/drawing/2014/main" id="{9773DCAF-FC37-F3D1-1CEF-CA0A60579273}"/>
+              </a:ext>
+            </a:extLst>
+          </p:cNvPr>
+          <p:cNvSpPr>
+            <a:spLocks noGrp="1"/>
+          </p:cNvSpPr>
+          <p:nvPr>
+            <p:ph idx="1"/>
+          </p:nvPr>
+        </p:nvSpPr>
+        <p:spPr/>
+        <p:txBody>
+          <a:bodyPr/>
+          <a:lstStyle/>
+          <a:p>
+            <a:r>
+              <a:rPr lang="fr-FR" sz="1800" b="1" kern="0" dirty="0">
+                <a:solidFill>
+                  <a:srgbClr val="0D0D0D"/>
+                </a:solidFill>
+                <a:effectLst/>
+                <a:latin typeface="Segoe UI" panose="020B0502040204020203" pitchFamily="34" charset="0"/>
+                <a:ea typeface="Times New Roman" panose="02020603050405020304" pitchFamily="18" charset="0"/>
+              </a:rPr>
+              <a:t>Centralisation des outils </a:t>
+            </a:r>
+          </a:p>
+          <a:p>
+            <a:r>
+              <a:rPr lang="fr-FR" sz="1800" b="1" kern="0" dirty="0">
+                <a:solidFill>
+                  <a:srgbClr val="0D0D0D"/>
+                </a:solidFill>
+                <a:effectLst/>
+                <a:latin typeface="Segoe UI" panose="020B0502040204020203" pitchFamily="34" charset="0"/>
+                <a:ea typeface="Times New Roman" panose="02020603050405020304" pitchFamily="18" charset="0"/>
+              </a:rPr>
+              <a:t>Reproductibilité accrue </a:t>
+            </a:r>
+            <a:endParaRPr lang="fr-FR" b="1" kern="0" dirty="0">
+              <a:solidFill>
+                <a:srgbClr val="0D0D0D"/>
+              </a:solidFill>
+              <a:latin typeface="Segoe UI" panose="020B0502040204020203" pitchFamily="34" charset="0"/>
+              <a:ea typeface="Times New Roman" panose="02020603050405020304" pitchFamily="18" charset="0"/>
+            </a:endParaRPr>
+          </a:p>
+          <a:p>
+            <a:r>
+              <a:rPr lang="fr-FR" sz="1800" b="1" kern="0" dirty="0">
+                <a:solidFill>
+                  <a:srgbClr val="0D0D0D"/>
+                </a:solidFill>
+                <a:effectLst/>
+                <a:latin typeface="Segoe UI" panose="020B0502040204020203" pitchFamily="34" charset="0"/>
+                <a:ea typeface="Times New Roman" panose="02020603050405020304" pitchFamily="18" charset="0"/>
+              </a:rPr>
+              <a:t>Facilité de déploiement </a:t>
+            </a:r>
+            <a:endParaRPr lang="fr-FR" dirty="0"/>
+          </a:p>
+        </p:txBody>
+      </p:sp>
+    </p:spTree>
+    <p:extLst>
+      <p:ext uri="{BB962C8B-B14F-4D97-AF65-F5344CB8AC3E}">
+        <p14:creationId xmlns:p14="http://schemas.microsoft.com/office/powerpoint/2010/main" val="3778279453"/>
+      </p:ext>
+    </p:extLst>
+  </p:cSld>
+  <p:clrMapOvr>
+    <a:masterClrMapping/>
+  </p:clrMapOvr>
+</p:sld>
+</file>
+
+<file path=ppt/slides/slide7.xml><?xml version="1.0" encoding="utf-8"?>
+<p:sld xmlns:a="http://schemas.openxmlformats.org/drawingml/2006/main" xmlns:r="http://schemas.openxmlformats.org/officeDocument/2006/relationships" xmlns:p="http://schemas.openxmlformats.org/presentationml/2006/main">
+  <p:cSld>
+    <p:spTree>
+      <p:nvGrpSpPr>
+        <p:cNvPr id="1" name=""/>
+        <p:cNvGrpSpPr/>
+        <p:nvPr/>
+      </p:nvGrpSpPr>
+      <p:grpSpPr>
+        <a:xfrm>
+          <a:off x="0" y="0"/>
+          <a:ext cx="0" cy="0"/>
+          <a:chOff x="0" y="0"/>
+          <a:chExt cx="0" cy="0"/>
+        </a:xfrm>
+      </p:grpSpPr>
+      <p:sp>
+        <p:nvSpPr>
+          <p:cNvPr id="2" name="Titre 1">
+            <a:extLst>
+              <a:ext uri="{FF2B5EF4-FFF2-40B4-BE49-F238E27FC236}">
+                <a16:creationId xmlns:a16="http://schemas.microsoft.com/office/drawing/2014/main" id="{CAE415E5-3413-E84D-D8D2-5E1CD9391839}"/>
+              </a:ext>
+            </a:extLst>
+          </p:cNvPr>
+          <p:cNvSpPr>
+            <a:spLocks noGrp="1"/>
+          </p:cNvSpPr>
+          <p:nvPr>
+            <p:ph type="title"/>
+          </p:nvPr>
+        </p:nvSpPr>
+        <p:spPr/>
+        <p:txBody>
+          <a:bodyPr>
+            <a:normAutofit/>
+          </a:bodyPr>
+          <a:lstStyle/>
+          <a:p>
+            <a:r>
+              <a:rPr lang="fr-FR" b="1" dirty="0">
+                <a:effectLst/>
+                <a:ea typeface="Calibri" panose="020F0502020204030204" pitchFamily="34" charset="0"/>
+              </a:rPr>
+              <a:t>Les composants clés de </a:t>
+            </a:r>
+            <a:r>
+              <a:rPr lang="fr-FR" b="1" dirty="0" err="1">
+                <a:effectLst/>
+                <a:ea typeface="Calibri" panose="020F0502020204030204" pitchFamily="34" charset="0"/>
+              </a:rPr>
+              <a:t>MLflow</a:t>
+            </a:r>
+            <a:r>
+              <a:rPr lang="fr-FR" b="1" dirty="0">
+                <a:effectLst/>
+                <a:ea typeface="Calibri" panose="020F0502020204030204" pitchFamily="34" charset="0"/>
+              </a:rPr>
+              <a:t> et leurs rôles </a:t>
+            </a:r>
+            <a:endParaRPr lang="fr-FR" sz="6000" dirty="0"/>
+          </a:p>
+        </p:txBody>
+      </p:sp>
+      <p:sp>
+        <p:nvSpPr>
+          <p:cNvPr id="3" name="Espace réservé du contenu 2">
+            <a:extLst>
+              <a:ext uri="{FF2B5EF4-FFF2-40B4-BE49-F238E27FC236}">
+                <a16:creationId xmlns:a16="http://schemas.microsoft.com/office/drawing/2014/main" id="{F2231C1A-C0BE-EED8-C8D8-C14CA5A402AE}"/>
+              </a:ext>
+            </a:extLst>
+          </p:cNvPr>
+          <p:cNvSpPr>
+            <a:spLocks noGrp="1"/>
+          </p:cNvSpPr>
+          <p:nvPr>
+            <p:ph idx="1"/>
+          </p:nvPr>
+        </p:nvSpPr>
+        <p:spPr/>
+        <p:txBody>
+          <a:bodyPr/>
+          <a:lstStyle/>
+          <a:p>
+            <a:r>
+              <a:rPr lang="fr-FR" sz="1800" b="1" dirty="0">
+                <a:solidFill>
+                  <a:srgbClr val="0D0D0D"/>
+                </a:solidFill>
+                <a:effectLst/>
+                <a:latin typeface="Segoe UI" panose="020B0502040204020203" pitchFamily="34" charset="0"/>
+                <a:ea typeface="Calibri" panose="020F0502020204030204" pitchFamily="34" charset="0"/>
+              </a:rPr>
+              <a:t>Suivi des expériences (</a:t>
+            </a:r>
+            <a:r>
+              <a:rPr lang="fr-FR" sz="1800" b="1" dirty="0" err="1">
+                <a:solidFill>
+                  <a:srgbClr val="0D0D0D"/>
+                </a:solidFill>
+                <a:effectLst/>
+                <a:latin typeface="Segoe UI" panose="020B0502040204020203" pitchFamily="34" charset="0"/>
+                <a:ea typeface="Calibri" panose="020F0502020204030204" pitchFamily="34" charset="0"/>
+              </a:rPr>
+              <a:t>Tracking</a:t>
+            </a:r>
+            <a:r>
+              <a:rPr lang="fr-FR" sz="1800" b="1" dirty="0">
+                <a:solidFill>
+                  <a:srgbClr val="0D0D0D"/>
+                </a:solidFill>
+                <a:effectLst/>
+                <a:latin typeface="Segoe UI" panose="020B0502040204020203" pitchFamily="34" charset="0"/>
+                <a:ea typeface="Calibri" panose="020F0502020204030204" pitchFamily="34" charset="0"/>
+              </a:rPr>
+              <a:t>)</a:t>
+            </a:r>
+            <a:r>
+              <a:rPr lang="fr-FR" sz="1800" dirty="0">
+                <a:solidFill>
+                  <a:srgbClr val="0D0D0D"/>
+                </a:solidFill>
+                <a:effectLst/>
+                <a:latin typeface="Segoe UI" panose="020B0502040204020203" pitchFamily="34" charset="0"/>
+                <a:ea typeface="Calibri" panose="020F0502020204030204" pitchFamily="34" charset="0"/>
+              </a:rPr>
+              <a:t> </a:t>
+            </a:r>
+          </a:p>
+          <a:p>
+            <a:r>
+              <a:rPr lang="fr-FR" sz="1800" b="1" dirty="0">
+                <a:solidFill>
+                  <a:srgbClr val="0D0D0D"/>
+                </a:solidFill>
+                <a:effectLst/>
+                <a:latin typeface="Segoe UI" panose="020B0502040204020203" pitchFamily="34" charset="0"/>
+                <a:ea typeface="Calibri" panose="020F0502020204030204" pitchFamily="34" charset="0"/>
+              </a:rPr>
+              <a:t>Gestion des modèles (Model Management)</a:t>
+            </a:r>
+            <a:r>
+              <a:rPr lang="fr-FR" sz="1800" dirty="0">
+                <a:solidFill>
+                  <a:srgbClr val="0D0D0D"/>
+                </a:solidFill>
+                <a:effectLst/>
+                <a:latin typeface="Segoe UI" panose="020B0502040204020203" pitchFamily="34" charset="0"/>
+                <a:ea typeface="Calibri" panose="020F0502020204030204" pitchFamily="34" charset="0"/>
+              </a:rPr>
+              <a:t> </a:t>
+            </a:r>
+            <a:endParaRPr lang="fr-FR" dirty="0">
+              <a:solidFill>
+                <a:srgbClr val="0D0D0D"/>
+              </a:solidFill>
+              <a:latin typeface="Segoe UI" panose="020B0502040204020203" pitchFamily="34" charset="0"/>
+              <a:ea typeface="Calibri" panose="020F0502020204030204" pitchFamily="34" charset="0"/>
+            </a:endParaRPr>
+          </a:p>
+          <a:p>
+            <a:r>
+              <a:rPr lang="fr-FR" sz="1800" b="1" dirty="0">
+                <a:solidFill>
+                  <a:srgbClr val="0D0D0D"/>
+                </a:solidFill>
+                <a:effectLst/>
+                <a:latin typeface="Segoe UI" panose="020B0502040204020203" pitchFamily="34" charset="0"/>
+                <a:ea typeface="Calibri" panose="020F0502020204030204" pitchFamily="34" charset="0"/>
+              </a:rPr>
+              <a:t>Déploiement de modèles (Model </a:t>
+            </a:r>
+            <a:r>
+              <a:rPr lang="fr-FR" sz="1800" b="1" dirty="0" err="1">
+                <a:solidFill>
+                  <a:srgbClr val="0D0D0D"/>
+                </a:solidFill>
+                <a:effectLst/>
+                <a:latin typeface="Segoe UI" panose="020B0502040204020203" pitchFamily="34" charset="0"/>
+                <a:ea typeface="Calibri" panose="020F0502020204030204" pitchFamily="34" charset="0"/>
+              </a:rPr>
+              <a:t>Deployment</a:t>
+            </a:r>
+            <a:r>
+              <a:rPr lang="fr-FR" sz="1800" b="1" dirty="0">
+                <a:solidFill>
+                  <a:srgbClr val="0D0D0D"/>
+                </a:solidFill>
+                <a:effectLst/>
+                <a:latin typeface="Segoe UI" panose="020B0502040204020203" pitchFamily="34" charset="0"/>
+                <a:ea typeface="Calibri" panose="020F0502020204030204" pitchFamily="34" charset="0"/>
+              </a:rPr>
+              <a:t>)</a:t>
+            </a:r>
+            <a:r>
+              <a:rPr lang="fr-FR" sz="1800" dirty="0">
+                <a:solidFill>
+                  <a:srgbClr val="0D0D0D"/>
+                </a:solidFill>
+                <a:effectLst/>
+                <a:latin typeface="Segoe UI" panose="020B0502040204020203" pitchFamily="34" charset="0"/>
+                <a:ea typeface="Calibri" panose="020F0502020204030204" pitchFamily="34" charset="0"/>
+              </a:rPr>
+              <a:t> </a:t>
+            </a:r>
+          </a:p>
+          <a:p>
+            <a:r>
+              <a:rPr lang="fr-FR" b="1" dirty="0">
+                <a:solidFill>
+                  <a:srgbClr val="0D0D0D"/>
+                </a:solidFill>
+                <a:latin typeface="Segoe UI" panose="020B0502040204020203" pitchFamily="34" charset="0"/>
+                <a:ea typeface="Calibri" panose="020F0502020204030204" pitchFamily="34" charset="0"/>
+              </a:rPr>
+              <a:t>Évaluation </a:t>
+            </a:r>
+          </a:p>
+          <a:p>
+            <a:r>
+              <a:rPr lang="fr-FR" b="1" dirty="0">
+                <a:solidFill>
+                  <a:srgbClr val="0D0D0D"/>
+                </a:solidFill>
+                <a:latin typeface="Segoe UI" panose="020B0502040204020203" pitchFamily="34" charset="0"/>
+                <a:ea typeface="Calibri" panose="020F0502020204030204" pitchFamily="34" charset="0"/>
+              </a:rPr>
+              <a:t>Interface utilisateur d'ingénierie de prompts</a:t>
+            </a:r>
+          </a:p>
+          <a:p>
+            <a:r>
+              <a:rPr lang="fr-FR" b="1" dirty="0">
+                <a:solidFill>
+                  <a:srgbClr val="0D0D0D"/>
+                </a:solidFill>
+                <a:latin typeface="Segoe UI" panose="020B0502040204020203" pitchFamily="34" charset="0"/>
+                <a:ea typeface="Calibri" panose="020F0502020204030204" pitchFamily="34" charset="0"/>
+              </a:rPr>
+              <a:t>Recettes </a:t>
+            </a:r>
+          </a:p>
+          <a:p>
+            <a:r>
+              <a:rPr lang="fr-FR" b="1" dirty="0">
+                <a:solidFill>
+                  <a:srgbClr val="0D0D0D"/>
+                </a:solidFill>
+                <a:latin typeface="Segoe UI" panose="020B0502040204020203" pitchFamily="34" charset="0"/>
+                <a:ea typeface="Calibri" panose="020F0502020204030204" pitchFamily="34" charset="0"/>
+              </a:rPr>
+              <a:t>Projets </a:t>
+            </a:r>
+          </a:p>
+        </p:txBody>
+      </p:sp>
+    </p:spTree>
+    <p:extLst>
+      <p:ext uri="{BB962C8B-B14F-4D97-AF65-F5344CB8AC3E}">
+        <p14:creationId xmlns:p14="http://schemas.microsoft.com/office/powerpoint/2010/main" val="2250382348"/>
+      </p:ext>
+    </p:extLst>
+  </p:cSld>
+  <p:clrMapOvr>
+    <a:masterClrMapping/>
+  </p:clrMapOvr>
+</p:sld>
+</file>
+
+<file path=ppt/slides/slide8.xml><?xml version="1.0" encoding="utf-8"?>
+<p:sld xmlns:a="http://schemas.openxmlformats.org/drawingml/2006/main" xmlns:r="http://schemas.openxmlformats.org/officeDocument/2006/relationships" xmlns:p="http://schemas.openxmlformats.org/presentationml/2006/main">
+  <p:cSld>
+    <p:spTree>
+      <p:nvGrpSpPr>
+        <p:cNvPr id="1" name=""/>
+        <p:cNvGrpSpPr/>
+        <p:nvPr/>
+      </p:nvGrpSpPr>
+      <p:grpSpPr>
+        <a:xfrm>
+          <a:off x="0" y="0"/>
+          <a:ext cx="0" cy="0"/>
+          <a:chOff x="0" y="0"/>
+          <a:chExt cx="0" cy="0"/>
+        </a:xfrm>
+      </p:grpSpPr>
+      <p:sp>
+        <p:nvSpPr>
+          <p:cNvPr id="2" name="Titre 1">
+            <a:extLst>
+              <a:ext uri="{FF2B5EF4-FFF2-40B4-BE49-F238E27FC236}">
                 <a16:creationId xmlns:a16="http://schemas.microsoft.com/office/drawing/2014/main" id="{BEBE73BB-615B-ED3A-4A69-479E28109EF8}"/>
               </a:ext>
             </a:extLst>
@@ -7019,7 +8236,7 @@
 </p:sld>
 </file>
 
-<file path=ppt/slides/slide7.xml><?xml version="1.0" encoding="utf-8"?>
+<file path=ppt/slides/slide9.xml><?xml version="1.0" encoding="utf-8"?>
 <p:sld xmlns:a="http://schemas.openxmlformats.org/drawingml/2006/main" xmlns:r="http://schemas.openxmlformats.org/officeDocument/2006/relationships" xmlns:p="http://schemas.openxmlformats.org/presentationml/2006/main">
   <p:cSld>
     <p:spTree>
